--- a/notes/node.js.pptx
+++ b/notes/node.js.pptx
@@ -7,10 +7,11 @@
   <p:sldIdLst>
     <p:sldId id="256" r:id="rId2"/>
     <p:sldId id="257" r:id="rId3"/>
-    <p:sldId id="258" r:id="rId4"/>
-    <p:sldId id="259" r:id="rId5"/>
-    <p:sldId id="260" r:id="rId6"/>
-    <p:sldId id="261" r:id="rId7"/>
+    <p:sldId id="262" r:id="rId4"/>
+    <p:sldId id="258" r:id="rId5"/>
+    <p:sldId id="259" r:id="rId6"/>
+    <p:sldId id="260" r:id="rId7"/>
+    <p:sldId id="261" r:id="rId8"/>
   </p:sldIdLst>
   <p:sldSz cx="12192000" cy="6858000"/>
   <p:notesSz cx="6858000" cy="9144000"/>
@@ -109,6 +110,11 @@
       </a:defRPr>
     </a:lvl9pPr>
   </p:defaultTextStyle>
+  <p:extLst>
+    <p:ext uri="{EFAFB233-063F-42B5-8137-9DF3F51BA10A}">
+      <p15:sldGuideLst xmlns:p15="http://schemas.microsoft.com/office/powerpoint/2012/main"/>
+    </p:ext>
+  </p:extLst>
 </p:presentation>
 </file>
 
@@ -3502,6 +3508,248 @@
           <p:cNvPr id="2" name="Title 1">
             <a:extLst>
               <a:ext uri="{FF2B5EF4-FFF2-40B4-BE49-F238E27FC236}">
+                <a16:creationId xmlns:a16="http://schemas.microsoft.com/office/drawing/2014/main" id="{9757D310-D266-46CC-0C86-271CCF04CC65}"/>
+              </a:ext>
+            </a:extLst>
+          </p:cNvPr>
+          <p:cNvSpPr>
+            <a:spLocks noGrp="1"/>
+          </p:cNvSpPr>
+          <p:nvPr>
+            <p:ph type="title"/>
+          </p:nvPr>
+        </p:nvSpPr>
+        <p:spPr/>
+        <p:txBody>
+          <a:bodyPr/>
+          <a:lstStyle/>
+          <a:p>
+            <a:r>
+              <a:rPr lang="en-US" dirty="0"/>
+              <a:t>Who the f&amp;*k is JSON?</a:t>
+            </a:r>
+          </a:p>
+        </p:txBody>
+      </p:sp>
+      <p:sp>
+        <p:nvSpPr>
+          <p:cNvPr id="3" name="Content Placeholder 2">
+            <a:extLst>
+              <a:ext uri="{FF2B5EF4-FFF2-40B4-BE49-F238E27FC236}">
+                <a16:creationId xmlns:a16="http://schemas.microsoft.com/office/drawing/2014/main" id="{E5932763-E534-E3DD-60F8-A43E32E80B73}"/>
+              </a:ext>
+            </a:extLst>
+          </p:cNvPr>
+          <p:cNvSpPr>
+            <a:spLocks noGrp="1"/>
+          </p:cNvSpPr>
+          <p:nvPr>
+            <p:ph idx="1"/>
+          </p:nvPr>
+        </p:nvSpPr>
+        <p:spPr>
+          <a:xfrm>
+            <a:off x="435430" y="1424472"/>
+            <a:ext cx="5903166" cy="5306009"/>
+          </a:xfrm>
+        </p:spPr>
+        <p:txBody>
+          <a:bodyPr>
+            <a:normAutofit fontScale="70000" lnSpcReduction="20000"/>
+          </a:bodyPr>
+          <a:lstStyle/>
+          <a:p>
+            <a:r>
+              <a:rPr lang="en-US" dirty="0"/>
+              <a:t>JavaScript Object Notation </a:t>
+            </a:r>
+          </a:p>
+          <a:p>
+            <a:pPr lvl="1"/>
+            <a:r>
+              <a:rPr lang="en-US" dirty="0"/>
+              <a:t>Language-independent format for storing and exchanging data. </a:t>
+            </a:r>
+          </a:p>
+          <a:p>
+            <a:r>
+              <a:rPr lang="en-US" dirty="0"/>
+              <a:t>JSON Syntax</a:t>
+            </a:r>
+          </a:p>
+          <a:p>
+            <a:pPr lvl="1"/>
+            <a:r>
+              <a:rPr lang="en-US" dirty="0"/>
+              <a:t>{..} hold objects.</a:t>
+            </a:r>
+          </a:p>
+          <a:p>
+            <a:pPr lvl="1"/>
+            <a:r>
+              <a:rPr lang="en-US" dirty="0"/>
+              <a:t>[..] hold arrays. </a:t>
+            </a:r>
+          </a:p>
+          <a:p>
+            <a:pPr lvl="1"/>
+            <a:r>
+              <a:rPr lang="en-US" dirty="0"/>
+              <a:t>Data is stored in name-value pairs separated by a : </a:t>
+            </a:r>
+          </a:p>
+          <a:p>
+            <a:pPr lvl="2"/>
+            <a:r>
+              <a:rPr lang="en-US" dirty="0"/>
+              <a:t>Name-value pairs and array elements are separated by , </a:t>
+            </a:r>
+          </a:p>
+          <a:p>
+            <a:pPr lvl="2"/>
+            <a:r>
+              <a:rPr lang="en-US" dirty="0"/>
+              <a:t>“Suddenly Mr. Han, I want to use a trailing comma.” “No, it is forbidden!” </a:t>
+            </a:r>
+          </a:p>
+          <a:p>
+            <a:pPr lvl="1"/>
+            <a:r>
+              <a:rPr lang="en-US" dirty="0"/>
+              <a:t>JSON property names must be in “     ”</a:t>
+            </a:r>
+          </a:p>
+          <a:p>
+            <a:pPr lvl="1"/>
+            <a:r>
+              <a:rPr lang="en-US" dirty="0"/>
+              <a:t>JSON data types permitted are: </a:t>
+            </a:r>
+          </a:p>
+          <a:p>
+            <a:pPr lvl="2"/>
+            <a:r>
+              <a:rPr lang="en-US" dirty="0"/>
+              <a:t>string inside “ ”</a:t>
+            </a:r>
+          </a:p>
+          <a:p>
+            <a:pPr lvl="2"/>
+            <a:r>
+              <a:rPr lang="en-US" dirty="0"/>
+              <a:t>int or float</a:t>
+            </a:r>
+          </a:p>
+          <a:p>
+            <a:pPr lvl="2"/>
+            <a:r>
+              <a:rPr lang="en-US" dirty="0"/>
+              <a:t>object (name-value pair)</a:t>
+            </a:r>
+          </a:p>
+          <a:p>
+            <a:pPr lvl="2"/>
+            <a:r>
+              <a:rPr lang="en-US" dirty="0"/>
+              <a:t>array (comma-delimited) </a:t>
+            </a:r>
+          </a:p>
+          <a:p>
+            <a:pPr lvl="2"/>
+            <a:r>
+              <a:rPr lang="en-US" dirty="0" err="1"/>
+              <a:t>boolean</a:t>
+            </a:r>
+            <a:r>
+              <a:rPr lang="en-US" dirty="0"/>
+              <a:t> (true or false) </a:t>
+            </a:r>
+          </a:p>
+          <a:p>
+            <a:pPr lvl="2"/>
+            <a:r>
+              <a:rPr lang="en-US" dirty="0"/>
+              <a:t>null </a:t>
+            </a:r>
+          </a:p>
+          <a:p>
+            <a:pPr lvl="1"/>
+            <a:r>
+              <a:rPr lang="en-US" dirty="0"/>
+              <a:t>Data types not permitted in JSON can be stored as strings, all modern programming languages have built-in tools to convert these strings into more usable formats. </a:t>
+            </a:r>
+          </a:p>
+          <a:p>
+            <a:pPr lvl="2"/>
+            <a:endParaRPr lang="en-US" dirty="0"/>
+          </a:p>
+        </p:txBody>
+      </p:sp>
+      <p:pic>
+        <p:nvPicPr>
+          <p:cNvPr id="5" name="Picture 4">
+            <a:extLst>
+              <a:ext uri="{FF2B5EF4-FFF2-40B4-BE49-F238E27FC236}">
+                <a16:creationId xmlns:a16="http://schemas.microsoft.com/office/drawing/2014/main" id="{16263203-82F8-ACA3-71C6-55BB1A1932CB}"/>
+              </a:ext>
+            </a:extLst>
+          </p:cNvPr>
+          <p:cNvPicPr>
+            <a:picLocks noChangeAspect="1"/>
+          </p:cNvPicPr>
+          <p:nvPr/>
+        </p:nvPicPr>
+        <p:blipFill>
+          <a:blip r:embed="rId2"/>
+          <a:stretch>
+            <a:fillRect/>
+          </a:stretch>
+        </p:blipFill>
+        <p:spPr>
+          <a:xfrm>
+            <a:off x="6744970" y="1847461"/>
+            <a:ext cx="5124868" cy="3545633"/>
+          </a:xfrm>
+          <a:prstGeom prst="rect">
+            <a:avLst/>
+          </a:prstGeom>
+        </p:spPr>
+      </p:pic>
+    </p:spTree>
+    <p:extLst>
+      <p:ext uri="{BB962C8B-B14F-4D97-AF65-F5344CB8AC3E}">
+        <p14:creationId xmlns:p14="http://schemas.microsoft.com/office/powerpoint/2010/main" val="592576287"/>
+      </p:ext>
+    </p:extLst>
+  </p:cSld>
+  <p:clrMapOvr>
+    <a:masterClrMapping/>
+  </p:clrMapOvr>
+</p:sld>
+</file>
+
+<file path=ppt/slides/slide4.xml><?xml version="1.0" encoding="utf-8"?>
+<p:sld xmlns:a="http://schemas.openxmlformats.org/drawingml/2006/main" xmlns:r="http://schemas.openxmlformats.org/officeDocument/2006/relationships" xmlns:p="http://schemas.openxmlformats.org/presentationml/2006/main">
+  <p:cSld>
+    <p:spTree>
+      <p:nvGrpSpPr>
+        <p:cNvPr id="1" name=""/>
+        <p:cNvGrpSpPr/>
+        <p:nvPr/>
+      </p:nvGrpSpPr>
+      <p:grpSpPr>
+        <a:xfrm>
+          <a:off x="0" y="0"/>
+          <a:ext cx="0" cy="0"/>
+          <a:chOff x="0" y="0"/>
+          <a:chExt cx="0" cy="0"/>
+        </a:xfrm>
+      </p:grpSpPr>
+      <p:sp>
+        <p:nvSpPr>
+          <p:cNvPr id="2" name="Title 1">
+            <a:extLst>
+              <a:ext uri="{FF2B5EF4-FFF2-40B4-BE49-F238E27FC236}">
                 <a16:creationId xmlns:a16="http://schemas.microsoft.com/office/drawing/2014/main" id="{3A695579-A973-1867-54A3-D56E42666ED0}"/>
               </a:ext>
             </a:extLst>
@@ -3657,7 +3905,7 @@
 </p:sld>
 </file>
 
-<file path=ppt/slides/slide4.xml><?xml version="1.0" encoding="utf-8"?>
+<file path=ppt/slides/slide5.xml><?xml version="1.0" encoding="utf-8"?>
 <p:sld xmlns:a="http://schemas.openxmlformats.org/drawingml/2006/main" xmlns:r="http://schemas.openxmlformats.org/officeDocument/2006/relationships" xmlns:p="http://schemas.openxmlformats.org/presentationml/2006/main">
   <p:cSld>
     <p:spTree>
@@ -3824,7 +4072,7 @@
 </p:sld>
 </file>
 
-<file path=ppt/slides/slide5.xml><?xml version="1.0" encoding="utf-8"?>
+<file path=ppt/slides/slide6.xml><?xml version="1.0" encoding="utf-8"?>
 <p:sld xmlns:a="http://schemas.openxmlformats.org/drawingml/2006/main" xmlns:r="http://schemas.openxmlformats.org/officeDocument/2006/relationships" xmlns:p="http://schemas.openxmlformats.org/presentationml/2006/main">
   <p:cSld>
     <p:spTree>
@@ -4001,7 +4249,7 @@
 </p:sld>
 </file>
 
-<file path=ppt/slides/slide6.xml><?xml version="1.0" encoding="utf-8"?>
+<file path=ppt/slides/slide7.xml><?xml version="1.0" encoding="utf-8"?>
 <p:sld xmlns:a="http://schemas.openxmlformats.org/drawingml/2006/main" xmlns:r="http://schemas.openxmlformats.org/officeDocument/2006/relationships" xmlns:p="http://schemas.openxmlformats.org/presentationml/2006/main">
   <p:cSld>
     <p:spTree>

--- a/notes/node.js.pptx
+++ b/notes/node.js.pptx
@@ -7,11 +7,13 @@
   <p:sldIdLst>
     <p:sldId id="256" r:id="rId2"/>
     <p:sldId id="257" r:id="rId3"/>
-    <p:sldId id="262" r:id="rId4"/>
-    <p:sldId id="258" r:id="rId5"/>
-    <p:sldId id="259" r:id="rId6"/>
-    <p:sldId id="260" r:id="rId7"/>
-    <p:sldId id="261" r:id="rId8"/>
+    <p:sldId id="258" r:id="rId4"/>
+    <p:sldId id="259" r:id="rId5"/>
+    <p:sldId id="260" r:id="rId6"/>
+    <p:sldId id="261" r:id="rId7"/>
+    <p:sldId id="262" r:id="rId8"/>
+    <p:sldId id="263" r:id="rId9"/>
+    <p:sldId id="264" r:id="rId10"/>
   </p:sldIdLst>
   <p:sldSz cx="12192000" cy="6858000"/>
   <p:notesSz cx="6858000" cy="9144000"/>
@@ -3508,6 +3510,694 @@
           <p:cNvPr id="2" name="Title 1">
             <a:extLst>
               <a:ext uri="{FF2B5EF4-FFF2-40B4-BE49-F238E27FC236}">
+                <a16:creationId xmlns:a16="http://schemas.microsoft.com/office/drawing/2014/main" id="{3A695579-A973-1867-54A3-D56E42666ED0}"/>
+              </a:ext>
+            </a:extLst>
+          </p:cNvPr>
+          <p:cNvSpPr>
+            <a:spLocks noGrp="1"/>
+          </p:cNvSpPr>
+          <p:nvPr>
+            <p:ph type="title"/>
+          </p:nvPr>
+        </p:nvSpPr>
+        <p:spPr/>
+        <p:txBody>
+          <a:bodyPr/>
+          <a:lstStyle/>
+          <a:p>
+            <a:r>
+              <a:rPr lang="en-US" dirty="0"/>
+              <a:t>Synchronous Code vs. Asynchronous Code</a:t>
+            </a:r>
+          </a:p>
+        </p:txBody>
+      </p:sp>
+      <p:sp>
+        <p:nvSpPr>
+          <p:cNvPr id="3" name="Content Placeholder 2">
+            <a:extLst>
+              <a:ext uri="{FF2B5EF4-FFF2-40B4-BE49-F238E27FC236}">
+                <a16:creationId xmlns:a16="http://schemas.microsoft.com/office/drawing/2014/main" id="{CFAA7D18-003B-B33A-4EBA-C4B8FA08E4D7}"/>
+              </a:ext>
+            </a:extLst>
+          </p:cNvPr>
+          <p:cNvSpPr>
+            <a:spLocks noGrp="1"/>
+          </p:cNvSpPr>
+          <p:nvPr>
+            <p:ph idx="1"/>
+          </p:nvPr>
+        </p:nvSpPr>
+        <p:spPr>
+          <a:xfrm>
+            <a:off x="566058" y="1548882"/>
+            <a:ext cx="4534678" cy="4628081"/>
+          </a:xfrm>
+        </p:spPr>
+        <p:txBody>
+          <a:bodyPr>
+            <a:normAutofit fontScale="77500" lnSpcReduction="20000"/>
+          </a:bodyPr>
+          <a:lstStyle/>
+          <a:p>
+            <a:r>
+              <a:rPr lang="en-US" dirty="0"/>
+              <a:t>Synchronous (blocking I/O) code must wait for other non-JS processes to finish before continuing execution, as it requires external data, etc. </a:t>
+            </a:r>
+          </a:p>
+          <a:p>
+            <a:endParaRPr lang="en-US" dirty="0"/>
+          </a:p>
+          <a:p>
+            <a:r>
+              <a:rPr lang="en-US" dirty="0"/>
+              <a:t>Asynchronous (non-blocking I/O) code can continue execution independent of other processes. </a:t>
+            </a:r>
+          </a:p>
+          <a:p>
+            <a:pPr lvl="1"/>
+            <a:r>
+              <a:rPr lang="en-US" b="1" u="sng" dirty="0"/>
+              <a:t>Promise</a:t>
+            </a:r>
+            <a:r>
+              <a:rPr lang="en-US" dirty="0"/>
+              <a:t>: JS object showing possible outcomes of asynchronous operation:</a:t>
+            </a:r>
+          </a:p>
+          <a:p>
+            <a:pPr lvl="2"/>
+            <a:r>
+              <a:rPr lang="en-US" b="1" u="sng" dirty="0"/>
+              <a:t>Pending – </a:t>
+            </a:r>
+            <a:r>
+              <a:rPr lang="en-US" dirty="0"/>
+              <a:t>Undefined result, waiting on a result. </a:t>
+            </a:r>
+          </a:p>
+          <a:p>
+            <a:pPr lvl="2"/>
+            <a:r>
+              <a:rPr lang="en-US" b="1" u="sng" dirty="0"/>
+              <a:t>Fulfilled –</a:t>
+            </a:r>
+            <a:r>
+              <a:rPr lang="en-US" dirty="0"/>
+              <a:t> Operation completed successfully; value returned. </a:t>
+            </a:r>
+          </a:p>
+          <a:p>
+            <a:pPr lvl="2"/>
+            <a:r>
+              <a:rPr lang="en-US" b="1" u="sng" dirty="0"/>
+              <a:t>Rejected – </a:t>
+            </a:r>
+            <a:r>
+              <a:rPr lang="en-US" dirty="0"/>
+              <a:t>Operation was unsuccessful, returns error object. </a:t>
+            </a:r>
+            <a:endParaRPr lang="en-US" b="1" u="sng" dirty="0"/>
+          </a:p>
+        </p:txBody>
+      </p:sp>
+      <p:pic>
+        <p:nvPicPr>
+          <p:cNvPr id="5" name="Picture 4">
+            <a:extLst>
+              <a:ext uri="{FF2B5EF4-FFF2-40B4-BE49-F238E27FC236}">
+                <a16:creationId xmlns:a16="http://schemas.microsoft.com/office/drawing/2014/main" id="{320CDF9A-E884-ACDB-E590-A9E655E31169}"/>
+              </a:ext>
+            </a:extLst>
+          </p:cNvPr>
+          <p:cNvPicPr>
+            <a:picLocks noChangeAspect="1"/>
+          </p:cNvPicPr>
+          <p:nvPr/>
+        </p:nvPicPr>
+        <p:blipFill>
+          <a:blip r:embed="rId2"/>
+          <a:stretch>
+            <a:fillRect/>
+          </a:stretch>
+        </p:blipFill>
+        <p:spPr>
+          <a:xfrm>
+            <a:off x="5309208" y="2002970"/>
+            <a:ext cx="6140791" cy="3524127"/>
+          </a:xfrm>
+          <a:prstGeom prst="rect">
+            <a:avLst/>
+          </a:prstGeom>
+        </p:spPr>
+      </p:pic>
+    </p:spTree>
+    <p:extLst>
+      <p:ext uri="{BB962C8B-B14F-4D97-AF65-F5344CB8AC3E}">
+        <p14:creationId xmlns:p14="http://schemas.microsoft.com/office/powerpoint/2010/main" val="3340591112"/>
+      </p:ext>
+    </p:extLst>
+  </p:cSld>
+  <p:clrMapOvr>
+    <a:masterClrMapping/>
+  </p:clrMapOvr>
+</p:sld>
+</file>
+
+<file path=ppt/slides/slide4.xml><?xml version="1.0" encoding="utf-8"?>
+<p:sld xmlns:a="http://schemas.openxmlformats.org/drawingml/2006/main" xmlns:r="http://schemas.openxmlformats.org/officeDocument/2006/relationships" xmlns:p="http://schemas.openxmlformats.org/presentationml/2006/main">
+  <p:cSld>
+    <p:spTree>
+      <p:nvGrpSpPr>
+        <p:cNvPr id="1" name=""/>
+        <p:cNvGrpSpPr/>
+        <p:nvPr/>
+      </p:nvGrpSpPr>
+      <p:grpSpPr>
+        <a:xfrm>
+          <a:off x="0" y="0"/>
+          <a:ext cx="0" cy="0"/>
+          <a:chOff x="0" y="0"/>
+          <a:chExt cx="0" cy="0"/>
+        </a:xfrm>
+      </p:grpSpPr>
+      <p:sp>
+        <p:nvSpPr>
+          <p:cNvPr id="2" name="Title 1">
+            <a:extLst>
+              <a:ext uri="{FF2B5EF4-FFF2-40B4-BE49-F238E27FC236}">
+                <a16:creationId xmlns:a16="http://schemas.microsoft.com/office/drawing/2014/main" id="{DD3D8268-E43D-4F39-8A63-DBEE484DE611}"/>
+              </a:ext>
+            </a:extLst>
+          </p:cNvPr>
+          <p:cNvSpPr>
+            <a:spLocks noGrp="1"/>
+          </p:cNvSpPr>
+          <p:nvPr>
+            <p:ph type="title"/>
+          </p:nvPr>
+        </p:nvSpPr>
+        <p:spPr>
+          <a:xfrm>
+            <a:off x="838200" y="365126"/>
+            <a:ext cx="10515600" cy="1146434"/>
+          </a:xfrm>
+        </p:spPr>
+        <p:txBody>
+          <a:bodyPr/>
+          <a:lstStyle/>
+          <a:p>
+            <a:r>
+              <a:rPr lang="en-US" dirty="0"/>
+              <a:t>Async / Await</a:t>
+            </a:r>
+          </a:p>
+        </p:txBody>
+      </p:sp>
+      <p:sp>
+        <p:nvSpPr>
+          <p:cNvPr id="3" name="Content Placeholder 2">
+            <a:extLst>
+              <a:ext uri="{FF2B5EF4-FFF2-40B4-BE49-F238E27FC236}">
+                <a16:creationId xmlns:a16="http://schemas.microsoft.com/office/drawing/2014/main" id="{B92A9456-660F-CCD5-12DF-E139A2476B4A}"/>
+              </a:ext>
+            </a:extLst>
+          </p:cNvPr>
+          <p:cNvSpPr>
+            <a:spLocks noGrp="1"/>
+          </p:cNvSpPr>
+          <p:nvPr>
+            <p:ph idx="1"/>
+          </p:nvPr>
+        </p:nvSpPr>
+        <p:spPr>
+          <a:xfrm>
+            <a:off x="404328" y="1511559"/>
+            <a:ext cx="4466252" cy="4665404"/>
+          </a:xfrm>
+        </p:spPr>
+        <p:txBody>
+          <a:bodyPr>
+            <a:normAutofit/>
+          </a:bodyPr>
+          <a:lstStyle/>
+          <a:p>
+            <a:r>
+              <a:rPr lang="en-US" i="1" u="sng" dirty="0"/>
+              <a:t>async</a:t>
+            </a:r>
+            <a:r>
+              <a:rPr lang="en-US" dirty="0"/>
+              <a:t> keyword used in combination with a function declaration creates an </a:t>
+            </a:r>
+            <a:r>
+              <a:rPr lang="en-US" b="1" u="sng" dirty="0"/>
+              <a:t>async function</a:t>
+            </a:r>
+            <a:r>
+              <a:rPr lang="en-US" dirty="0"/>
+              <a:t> that returns a Promise. </a:t>
+            </a:r>
+          </a:p>
+          <a:p>
+            <a:pPr lvl="1"/>
+            <a:r>
+              <a:rPr lang="en-US" dirty="0"/>
+              <a:t>Use the </a:t>
+            </a:r>
+            <a:r>
+              <a:rPr lang="en-US" i="1" u="sng" dirty="0"/>
+              <a:t>await</a:t>
+            </a:r>
+            <a:r>
+              <a:rPr lang="en-US" dirty="0"/>
+              <a:t> keyword to block event loop until Promise resolves or rejects.</a:t>
+            </a:r>
+          </a:p>
+          <a:p>
+            <a:pPr lvl="1"/>
+            <a:r>
+              <a:rPr lang="en-US" i="1" u="sng" dirty="0"/>
+              <a:t>await</a:t>
+            </a:r>
+            <a:r>
+              <a:rPr lang="en-US" dirty="0"/>
+              <a:t> allows assignment of a resolved Promise value to a variable. </a:t>
+            </a:r>
+            <a:endParaRPr lang="en-US" i="1" u="sng" dirty="0"/>
+          </a:p>
+        </p:txBody>
+      </p:sp>
+      <p:pic>
+        <p:nvPicPr>
+          <p:cNvPr id="5" name="Picture 4">
+            <a:extLst>
+              <a:ext uri="{FF2B5EF4-FFF2-40B4-BE49-F238E27FC236}">
+                <a16:creationId xmlns:a16="http://schemas.microsoft.com/office/drawing/2014/main" id="{B1322258-32F0-90F2-064F-9461B5A41A5A}"/>
+              </a:ext>
+            </a:extLst>
+          </p:cNvPr>
+          <p:cNvPicPr>
+            <a:picLocks noChangeAspect="1"/>
+          </p:cNvPicPr>
+          <p:nvPr/>
+        </p:nvPicPr>
+        <p:blipFill>
+          <a:blip r:embed="rId2"/>
+          <a:stretch>
+            <a:fillRect/>
+          </a:stretch>
+        </p:blipFill>
+        <p:spPr>
+          <a:xfrm>
+            <a:off x="5304452" y="1614975"/>
+            <a:ext cx="6325483" cy="4163006"/>
+          </a:xfrm>
+          <a:prstGeom prst="rect">
+            <a:avLst/>
+          </a:prstGeom>
+        </p:spPr>
+      </p:pic>
+    </p:spTree>
+    <p:extLst>
+      <p:ext uri="{BB962C8B-B14F-4D97-AF65-F5344CB8AC3E}">
+        <p14:creationId xmlns:p14="http://schemas.microsoft.com/office/powerpoint/2010/main" val="2431141606"/>
+      </p:ext>
+    </p:extLst>
+  </p:cSld>
+  <p:clrMapOvr>
+    <a:masterClrMapping/>
+  </p:clrMapOvr>
+</p:sld>
+</file>
+
+<file path=ppt/slides/slide5.xml><?xml version="1.0" encoding="utf-8"?>
+<p:sld xmlns:a="http://schemas.openxmlformats.org/drawingml/2006/main" xmlns:r="http://schemas.openxmlformats.org/officeDocument/2006/relationships" xmlns:p="http://schemas.openxmlformats.org/presentationml/2006/main">
+  <p:cSld>
+    <p:spTree>
+      <p:nvGrpSpPr>
+        <p:cNvPr id="1" name=""/>
+        <p:cNvGrpSpPr/>
+        <p:nvPr/>
+      </p:nvGrpSpPr>
+      <p:grpSpPr>
+        <a:xfrm>
+          <a:off x="0" y="0"/>
+          <a:ext cx="0" cy="0"/>
+          <a:chOff x="0" y="0"/>
+          <a:chExt cx="0" cy="0"/>
+        </a:xfrm>
+      </p:grpSpPr>
+      <p:sp>
+        <p:nvSpPr>
+          <p:cNvPr id="2" name="Title 1">
+            <a:extLst>
+              <a:ext uri="{FF2B5EF4-FFF2-40B4-BE49-F238E27FC236}">
+                <a16:creationId xmlns:a16="http://schemas.microsoft.com/office/drawing/2014/main" id="{DC062749-6680-9ACC-81DE-65F119F4122A}"/>
+              </a:ext>
+            </a:extLst>
+          </p:cNvPr>
+          <p:cNvSpPr>
+            <a:spLocks noGrp="1"/>
+          </p:cNvSpPr>
+          <p:nvPr>
+            <p:ph type="title"/>
+          </p:nvPr>
+        </p:nvSpPr>
+        <p:spPr/>
+        <p:txBody>
+          <a:bodyPr/>
+          <a:lstStyle/>
+          <a:p>
+            <a:r>
+              <a:rPr lang="en-US" dirty="0" err="1"/>
+              <a:t>setInterval</a:t>
+            </a:r>
+            <a:r>
+              <a:rPr lang="en-US" dirty="0"/>
+              <a:t>()</a:t>
+            </a:r>
+          </a:p>
+        </p:txBody>
+      </p:sp>
+      <p:sp>
+        <p:nvSpPr>
+          <p:cNvPr id="3" name="Content Placeholder 2">
+            <a:extLst>
+              <a:ext uri="{FF2B5EF4-FFF2-40B4-BE49-F238E27FC236}">
+                <a16:creationId xmlns:a16="http://schemas.microsoft.com/office/drawing/2014/main" id="{2A1F95D1-8F58-C1EC-E143-1BD8CFAA0FB6}"/>
+              </a:ext>
+            </a:extLst>
+          </p:cNvPr>
+          <p:cNvSpPr>
+            <a:spLocks noGrp="1"/>
+          </p:cNvSpPr>
+          <p:nvPr>
+            <p:ph idx="1"/>
+          </p:nvPr>
+        </p:nvSpPr>
+        <p:spPr>
+          <a:xfrm>
+            <a:off x="267478" y="1486678"/>
+            <a:ext cx="5405534" cy="4690285"/>
+          </a:xfrm>
+        </p:spPr>
+        <p:txBody>
+          <a:bodyPr>
+            <a:normAutofit lnSpcReduction="10000"/>
+          </a:bodyPr>
+          <a:lstStyle/>
+          <a:p>
+            <a:r>
+              <a:rPr lang="en-US" dirty="0" err="1"/>
+              <a:t>setInterval</a:t>
+            </a:r>
+            <a:r>
+              <a:rPr lang="en-US" dirty="0"/>
+              <a:t>() executes code blocks at specific intervals, measured in milliseconds. </a:t>
+            </a:r>
+          </a:p>
+          <a:p>
+            <a:pPr lvl="1"/>
+            <a:r>
+              <a:rPr lang="en-US" dirty="0"/>
+              <a:t>Two arguments required: name of function, number of milliseconds. </a:t>
+            </a:r>
+          </a:p>
+          <a:p>
+            <a:pPr lvl="1"/>
+            <a:r>
+              <a:rPr lang="en-US" dirty="0"/>
+              <a:t>Option:  Pass additional arguments to the called function. </a:t>
+            </a:r>
+          </a:p>
+          <a:p>
+            <a:pPr lvl="1"/>
+            <a:endParaRPr lang="en-US" dirty="0"/>
+          </a:p>
+          <a:p>
+            <a:r>
+              <a:rPr lang="en-US" dirty="0" err="1"/>
+              <a:t>setInterval</a:t>
+            </a:r>
+            <a:r>
+              <a:rPr lang="en-US" dirty="0"/>
+              <a:t>() will continue to run until:</a:t>
+            </a:r>
+          </a:p>
+          <a:p>
+            <a:pPr lvl="1"/>
+            <a:r>
+              <a:rPr lang="en-US" dirty="0" err="1"/>
+              <a:t>clearInterval</a:t>
+            </a:r>
+            <a:r>
+              <a:rPr lang="en-US" dirty="0"/>
+              <a:t>() is called. </a:t>
+            </a:r>
+          </a:p>
+          <a:p>
+            <a:pPr lvl="1"/>
+            <a:r>
+              <a:rPr lang="en-US" dirty="0"/>
+              <a:t>Node process exits. </a:t>
+            </a:r>
+          </a:p>
+        </p:txBody>
+      </p:sp>
+      <p:pic>
+        <p:nvPicPr>
+          <p:cNvPr id="5" name="Picture 4">
+            <a:extLst>
+              <a:ext uri="{FF2B5EF4-FFF2-40B4-BE49-F238E27FC236}">
+                <a16:creationId xmlns:a16="http://schemas.microsoft.com/office/drawing/2014/main" id="{7063BDEF-2B84-BD66-1168-C72FD692E539}"/>
+              </a:ext>
+            </a:extLst>
+          </p:cNvPr>
+          <p:cNvPicPr>
+            <a:picLocks noChangeAspect="1"/>
+          </p:cNvPicPr>
+          <p:nvPr/>
+        </p:nvPicPr>
+        <p:blipFill>
+          <a:blip r:embed="rId2"/>
+          <a:stretch>
+            <a:fillRect/>
+          </a:stretch>
+        </p:blipFill>
+        <p:spPr>
+          <a:xfrm>
+            <a:off x="5915609" y="2368809"/>
+            <a:ext cx="5794755" cy="2535206"/>
+          </a:xfrm>
+          <a:prstGeom prst="rect">
+            <a:avLst/>
+          </a:prstGeom>
+        </p:spPr>
+      </p:pic>
+    </p:spTree>
+    <p:extLst>
+      <p:ext uri="{BB962C8B-B14F-4D97-AF65-F5344CB8AC3E}">
+        <p14:creationId xmlns:p14="http://schemas.microsoft.com/office/powerpoint/2010/main" val="534996931"/>
+      </p:ext>
+    </p:extLst>
+  </p:cSld>
+  <p:clrMapOvr>
+    <a:masterClrMapping/>
+  </p:clrMapOvr>
+</p:sld>
+</file>
+
+<file path=ppt/slides/slide6.xml><?xml version="1.0" encoding="utf-8"?>
+<p:sld xmlns:a="http://schemas.openxmlformats.org/drawingml/2006/main" xmlns:r="http://schemas.openxmlformats.org/officeDocument/2006/relationships" xmlns:p="http://schemas.openxmlformats.org/presentationml/2006/main">
+  <p:cSld>
+    <p:spTree>
+      <p:nvGrpSpPr>
+        <p:cNvPr id="1" name=""/>
+        <p:cNvGrpSpPr/>
+        <p:nvPr/>
+      </p:nvGrpSpPr>
+      <p:grpSpPr>
+        <a:xfrm>
+          <a:off x="0" y="0"/>
+          <a:ext cx="0" cy="0"/>
+          <a:chOff x="0" y="0"/>
+          <a:chExt cx="0" cy="0"/>
+        </a:xfrm>
+      </p:grpSpPr>
+      <p:sp>
+        <p:nvSpPr>
+          <p:cNvPr id="2" name="Title 1">
+            <a:extLst>
+              <a:ext uri="{FF2B5EF4-FFF2-40B4-BE49-F238E27FC236}">
+                <a16:creationId xmlns:a16="http://schemas.microsoft.com/office/drawing/2014/main" id="{EBDBAA10-0A33-E934-5D82-4050D0D128D9}"/>
+              </a:ext>
+            </a:extLst>
+          </p:cNvPr>
+          <p:cNvSpPr>
+            <a:spLocks noGrp="1"/>
+          </p:cNvSpPr>
+          <p:nvPr>
+            <p:ph type="title"/>
+          </p:nvPr>
+        </p:nvSpPr>
+        <p:spPr/>
+        <p:txBody>
+          <a:bodyPr/>
+          <a:lstStyle/>
+          <a:p>
+            <a:r>
+              <a:rPr lang="en-US" dirty="0" err="1"/>
+              <a:t>setTimeout</a:t>
+            </a:r>
+            <a:r>
+              <a:rPr lang="en-US" dirty="0"/>
+              <a:t>() </a:t>
+            </a:r>
+          </a:p>
+        </p:txBody>
+      </p:sp>
+      <p:sp>
+        <p:nvSpPr>
+          <p:cNvPr id="3" name="Content Placeholder 2">
+            <a:extLst>
+              <a:ext uri="{FF2B5EF4-FFF2-40B4-BE49-F238E27FC236}">
+                <a16:creationId xmlns:a16="http://schemas.microsoft.com/office/drawing/2014/main" id="{ABE42334-DF0B-1BCE-636D-B69EF8667F45}"/>
+              </a:ext>
+            </a:extLst>
+          </p:cNvPr>
+          <p:cNvSpPr>
+            <a:spLocks noGrp="1"/>
+          </p:cNvSpPr>
+          <p:nvPr>
+            <p:ph idx="1"/>
+          </p:nvPr>
+        </p:nvSpPr>
+        <p:spPr>
+          <a:xfrm>
+            <a:off x="261257" y="1443135"/>
+            <a:ext cx="4491135" cy="4733828"/>
+          </a:xfrm>
+        </p:spPr>
+        <p:txBody>
+          <a:bodyPr>
+            <a:normAutofit/>
+          </a:bodyPr>
+          <a:lstStyle/>
+          <a:p>
+            <a:r>
+              <a:rPr lang="en-US" dirty="0"/>
+              <a:t>Executes a block of code </a:t>
+            </a:r>
+            <a:r>
+              <a:rPr lang="en-US" b="1" u="sng" dirty="0"/>
+              <a:t>once</a:t>
+            </a:r>
+            <a:r>
+              <a:rPr lang="en-US" dirty="0"/>
+              <a:t> after a specific time interval in milliseconds. </a:t>
+            </a:r>
+          </a:p>
+          <a:p>
+            <a:pPr lvl="1"/>
+            <a:r>
+              <a:rPr lang="en-US" dirty="0"/>
+              <a:t>Accepts same arguments as </a:t>
+            </a:r>
+            <a:r>
+              <a:rPr lang="en-US" dirty="0" err="1"/>
+              <a:t>setInterval</a:t>
+            </a:r>
+            <a:r>
+              <a:rPr lang="en-US" dirty="0"/>
+              <a:t>() </a:t>
+            </a:r>
+          </a:p>
+          <a:p>
+            <a:pPr lvl="1"/>
+            <a:endParaRPr lang="en-US" dirty="0"/>
+          </a:p>
+          <a:p>
+            <a:r>
+              <a:rPr lang="en-US" dirty="0" err="1"/>
+              <a:t>clearTimeout</a:t>
+            </a:r>
+            <a:r>
+              <a:rPr lang="en-US" dirty="0"/>
+              <a:t>() will prevent specified function from executing. </a:t>
+            </a:r>
+          </a:p>
+          <a:p>
+            <a:endParaRPr lang="en-US" dirty="0"/>
+          </a:p>
+        </p:txBody>
+      </p:sp>
+      <p:pic>
+        <p:nvPicPr>
+          <p:cNvPr id="5" name="Picture 4">
+            <a:extLst>
+              <a:ext uri="{FF2B5EF4-FFF2-40B4-BE49-F238E27FC236}">
+                <a16:creationId xmlns:a16="http://schemas.microsoft.com/office/drawing/2014/main" id="{8725C1CF-682B-8F2C-49F8-3C2D0750B3A6}"/>
+              </a:ext>
+            </a:extLst>
+          </p:cNvPr>
+          <p:cNvPicPr>
+            <a:picLocks noChangeAspect="1"/>
+          </p:cNvPicPr>
+          <p:nvPr/>
+        </p:nvPicPr>
+        <p:blipFill>
+          <a:blip r:embed="rId2"/>
+          <a:stretch>
+            <a:fillRect/>
+          </a:stretch>
+        </p:blipFill>
+        <p:spPr>
+          <a:xfrm>
+            <a:off x="5309846" y="2090550"/>
+            <a:ext cx="6287377" cy="2676899"/>
+          </a:xfrm>
+          <a:prstGeom prst="rect">
+            <a:avLst/>
+          </a:prstGeom>
+        </p:spPr>
+      </p:pic>
+    </p:spTree>
+    <p:extLst>
+      <p:ext uri="{BB962C8B-B14F-4D97-AF65-F5344CB8AC3E}">
+        <p14:creationId xmlns:p14="http://schemas.microsoft.com/office/powerpoint/2010/main" val="3599647770"/>
+      </p:ext>
+    </p:extLst>
+  </p:cSld>
+  <p:clrMapOvr>
+    <a:masterClrMapping/>
+  </p:clrMapOvr>
+</p:sld>
+</file>
+
+<file path=ppt/slides/slide7.xml><?xml version="1.0" encoding="utf-8"?>
+<p:sld xmlns:a="http://schemas.openxmlformats.org/drawingml/2006/main" xmlns:r="http://schemas.openxmlformats.org/officeDocument/2006/relationships" xmlns:p="http://schemas.openxmlformats.org/presentationml/2006/main">
+  <p:cSld>
+    <p:spTree>
+      <p:nvGrpSpPr>
+        <p:cNvPr id="1" name=""/>
+        <p:cNvGrpSpPr/>
+        <p:nvPr/>
+      </p:nvGrpSpPr>
+      <p:grpSpPr>
+        <a:xfrm>
+          <a:off x="0" y="0"/>
+          <a:ext cx="0" cy="0"/>
+          <a:chOff x="0" y="0"/>
+          <a:chExt cx="0" cy="0"/>
+        </a:xfrm>
+      </p:grpSpPr>
+      <p:sp>
+        <p:nvSpPr>
+          <p:cNvPr id="2" name="Title 1">
+            <a:extLst>
+              <a:ext uri="{FF2B5EF4-FFF2-40B4-BE49-F238E27FC236}">
                 <a16:creationId xmlns:a16="http://schemas.microsoft.com/office/drawing/2014/main" id="{9757D310-D266-46CC-0C86-271CCF04CC65}"/>
               </a:ext>
             </a:extLst>
@@ -3728,7 +4418,7 @@
 </p:sld>
 </file>
 
-<file path=ppt/slides/slide4.xml><?xml version="1.0" encoding="utf-8"?>
+<file path=ppt/slides/slide8.xml><?xml version="1.0" encoding="utf-8"?>
 <p:sld xmlns:a="http://schemas.openxmlformats.org/drawingml/2006/main" xmlns:r="http://schemas.openxmlformats.org/officeDocument/2006/relationships" xmlns:p="http://schemas.openxmlformats.org/presentationml/2006/main">
   <p:cSld>
     <p:spTree>
@@ -3750,7 +4440,7 @@
           <p:cNvPr id="2" name="Title 1">
             <a:extLst>
               <a:ext uri="{FF2B5EF4-FFF2-40B4-BE49-F238E27FC236}">
-                <a16:creationId xmlns:a16="http://schemas.microsoft.com/office/drawing/2014/main" id="{3A695579-A973-1867-54A3-D56E42666ED0}"/>
+                <a16:creationId xmlns:a16="http://schemas.microsoft.com/office/drawing/2014/main" id="{BD1D2A43-F99A-D64A-8A49-D0B5E1F31506}"/>
               </a:ext>
             </a:extLst>
           </p:cNvPr>
@@ -3768,7 +4458,7 @@
           <a:p>
             <a:r>
               <a:rPr lang="en-US" dirty="0"/>
-              <a:t>Synchronous Code vs. Asynchronous Code</a:t>
+              <a:t>Node REPL</a:t>
             </a:r>
           </a:p>
         </p:txBody>
@@ -3778,7 +4468,7 @@
           <p:cNvPr id="3" name="Content Placeholder 2">
             <a:extLst>
               <a:ext uri="{FF2B5EF4-FFF2-40B4-BE49-F238E27FC236}">
-                <a16:creationId xmlns:a16="http://schemas.microsoft.com/office/drawing/2014/main" id="{CFAA7D18-003B-B33A-4EBA-C4B8FA08E4D7}"/>
+                <a16:creationId xmlns:a16="http://schemas.microsoft.com/office/drawing/2014/main" id="{02674946-FBF1-04A4-E3A6-025B7265BBC5}"/>
               </a:ext>
             </a:extLst>
           </p:cNvPr>
@@ -3789,113 +4479,40 @@
             <p:ph idx="1"/>
           </p:nvPr>
         </p:nvSpPr>
-        <p:spPr>
-          <a:xfrm>
-            <a:off x="566058" y="1548882"/>
-            <a:ext cx="4534678" cy="4628081"/>
-          </a:xfrm>
-        </p:spPr>
-        <p:txBody>
-          <a:bodyPr>
-            <a:normAutofit fontScale="77500" lnSpcReduction="20000"/>
-          </a:bodyPr>
-          <a:lstStyle/>
-          <a:p>
-            <a:r>
-              <a:rPr lang="en-US" dirty="0"/>
-              <a:t>Synchronous (blocking I/O) code must wait for other non-JS processes to finish before continuing execution, as it requires external data, etc. </a:t>
-            </a:r>
-          </a:p>
-          <a:p>
+        <p:spPr/>
+        <p:txBody>
+          <a:bodyPr/>
+          <a:lstStyle/>
+          <a:p>
+            <a:r>
+              <a:rPr lang="en-US" dirty="0"/>
+              <a:t>Read – Eval – Print Loop</a:t>
+            </a:r>
+          </a:p>
+          <a:p>
+            <a:pPr lvl="1"/>
+            <a:r>
+              <a:rPr lang="en-US" dirty="0"/>
+              <a:t>Testing environment, allows users to experiment and test code. </a:t>
+            </a:r>
+          </a:p>
+          <a:p>
+            <a:pPr lvl="1"/>
+            <a:r>
+              <a:rPr lang="en-US" dirty="0"/>
+              <a:t>Essentially a command line for running Node.js </a:t>
+            </a:r>
+          </a:p>
+          <a:p>
+            <a:pPr lvl="1"/>
             <a:endParaRPr lang="en-US" dirty="0"/>
           </a:p>
-          <a:p>
-            <a:r>
-              <a:rPr lang="en-US" dirty="0"/>
-              <a:t>Asynchronous (non-blocking I/O) code can continue execution independent of other processes. </a:t>
-            </a:r>
-          </a:p>
-          <a:p>
-            <a:pPr lvl="1"/>
-            <a:r>
-              <a:rPr lang="en-US" b="1" u="sng" dirty="0"/>
-              <a:t>Promise</a:t>
-            </a:r>
-            <a:r>
-              <a:rPr lang="en-US" dirty="0"/>
-              <a:t>: JS object showing possible outcomes of asynchronous operation:</a:t>
-            </a:r>
-          </a:p>
-          <a:p>
-            <a:pPr lvl="2"/>
-            <a:r>
-              <a:rPr lang="en-US" b="1" u="sng" dirty="0"/>
-              <a:t>Pending – </a:t>
-            </a:r>
-            <a:r>
-              <a:rPr lang="en-US" dirty="0"/>
-              <a:t>Undefined result, waiting on a result. </a:t>
-            </a:r>
-          </a:p>
-          <a:p>
-            <a:pPr lvl="2"/>
-            <a:r>
-              <a:rPr lang="en-US" b="1" u="sng" dirty="0"/>
-              <a:t>Fulfilled –</a:t>
-            </a:r>
-            <a:r>
-              <a:rPr lang="en-US" dirty="0"/>
-              <a:t> Operation completed successfully; value returned. </a:t>
-            </a:r>
-          </a:p>
-          <a:p>
-            <a:pPr lvl="2"/>
-            <a:r>
-              <a:rPr lang="en-US" b="1" u="sng" dirty="0"/>
-              <a:t>Rejected – </a:t>
-            </a:r>
-            <a:r>
-              <a:rPr lang="en-US" dirty="0"/>
-              <a:t>Operation was unsuccessful, returns error object. </a:t>
-            </a:r>
-            <a:endParaRPr lang="en-US" b="1" u="sng" dirty="0"/>
-          </a:p>
-        </p:txBody>
-      </p:sp>
-      <p:pic>
-        <p:nvPicPr>
-          <p:cNvPr id="5" name="Picture 4">
-            <a:extLst>
-              <a:ext uri="{FF2B5EF4-FFF2-40B4-BE49-F238E27FC236}">
-                <a16:creationId xmlns:a16="http://schemas.microsoft.com/office/drawing/2014/main" id="{320CDF9A-E884-ACDB-E590-A9E655E31169}"/>
-              </a:ext>
-            </a:extLst>
-          </p:cNvPr>
-          <p:cNvPicPr>
-            <a:picLocks noChangeAspect="1"/>
-          </p:cNvPicPr>
-          <p:nvPr/>
-        </p:nvPicPr>
-        <p:blipFill>
-          <a:blip r:embed="rId2"/>
-          <a:stretch>
-            <a:fillRect/>
-          </a:stretch>
-        </p:blipFill>
-        <p:spPr>
-          <a:xfrm>
-            <a:off x="5309208" y="2002970"/>
-            <a:ext cx="6140791" cy="3524127"/>
-          </a:xfrm>
-          <a:prstGeom prst="rect">
-            <a:avLst/>
-          </a:prstGeom>
-        </p:spPr>
-      </p:pic>
+        </p:txBody>
+      </p:sp>
     </p:spTree>
     <p:extLst>
       <p:ext uri="{BB962C8B-B14F-4D97-AF65-F5344CB8AC3E}">
-        <p14:creationId xmlns:p14="http://schemas.microsoft.com/office/powerpoint/2010/main" val="3340591112"/>
+        <p14:creationId xmlns:p14="http://schemas.microsoft.com/office/powerpoint/2010/main" val="4132158745"/>
       </p:ext>
     </p:extLst>
   </p:cSld>
@@ -3905,7 +4522,7 @@
 </p:sld>
 </file>
 
-<file path=ppt/slides/slide5.xml><?xml version="1.0" encoding="utf-8"?>
+<file path=ppt/slides/slide9.xml><?xml version="1.0" encoding="utf-8"?>
 <p:sld xmlns:a="http://schemas.openxmlformats.org/drawingml/2006/main" xmlns:r="http://schemas.openxmlformats.org/officeDocument/2006/relationships" xmlns:p="http://schemas.openxmlformats.org/presentationml/2006/main">
   <p:cSld>
     <p:spTree>
@@ -3927,7 +4544,7 @@
           <p:cNvPr id="2" name="Title 1">
             <a:extLst>
               <a:ext uri="{FF2B5EF4-FFF2-40B4-BE49-F238E27FC236}">
-                <a16:creationId xmlns:a16="http://schemas.microsoft.com/office/drawing/2014/main" id="{DD3D8268-E43D-4F39-8A63-DBEE484DE611}"/>
+                <a16:creationId xmlns:a16="http://schemas.microsoft.com/office/drawing/2014/main" id="{38E3C2DF-27D8-4306-A273-A809976082C0}"/>
               </a:ext>
             </a:extLst>
           </p:cNvPr>
@@ -3936,12 +4553,40 @@
           </p:cNvSpPr>
           <p:nvPr>
             <p:ph type="title"/>
+          </p:nvPr>
+        </p:nvSpPr>
+        <p:spPr/>
+        <p:txBody>
+          <a:bodyPr/>
+          <a:lstStyle/>
+          <a:p>
+            <a:r>
+              <a:rPr lang="en-US" dirty="0"/>
+              <a:t>Modules </a:t>
+            </a:r>
+          </a:p>
+        </p:txBody>
+      </p:sp>
+      <p:sp>
+        <p:nvSpPr>
+          <p:cNvPr id="3" name="Content Placeholder 2">
+            <a:extLst>
+              <a:ext uri="{FF2B5EF4-FFF2-40B4-BE49-F238E27FC236}">
+                <a16:creationId xmlns:a16="http://schemas.microsoft.com/office/drawing/2014/main" id="{03361839-F1C0-DC89-4275-DF11665FEF50}"/>
+              </a:ext>
+            </a:extLst>
+          </p:cNvPr>
+          <p:cNvSpPr>
+            <a:spLocks noGrp="1"/>
+          </p:cNvSpPr>
+          <p:nvPr>
+            <p:ph idx="1"/>
           </p:nvPr>
         </p:nvSpPr>
         <p:spPr>
           <a:xfrm>
-            <a:off x="838200" y="365126"/>
-            <a:ext cx="10515600" cy="1146434"/>
+            <a:off x="276726" y="1588168"/>
+            <a:ext cx="7206916" cy="4588795"/>
           </a:xfrm>
         </p:spPr>
         <p:txBody>
@@ -3950,82 +4595,37 @@
           <a:p>
             <a:r>
               <a:rPr lang="en-US" dirty="0"/>
-              <a:t>Async / Await</a:t>
-            </a:r>
-          </a:p>
-        </p:txBody>
-      </p:sp>
-      <p:sp>
-        <p:nvSpPr>
-          <p:cNvPr id="3" name="Content Placeholder 2">
-            <a:extLst>
-              <a:ext uri="{FF2B5EF4-FFF2-40B4-BE49-F238E27FC236}">
-                <a16:creationId xmlns:a16="http://schemas.microsoft.com/office/drawing/2014/main" id="{B92A9456-660F-CCD5-12DF-E139A2476B4A}"/>
-              </a:ext>
-            </a:extLst>
-          </p:cNvPr>
-          <p:cNvSpPr>
-            <a:spLocks noGrp="1"/>
-          </p:cNvSpPr>
-          <p:nvPr>
-            <p:ph idx="1"/>
-          </p:nvPr>
-        </p:nvSpPr>
-        <p:spPr>
-          <a:xfrm>
-            <a:off x="404328" y="1511559"/>
-            <a:ext cx="4466252" cy="4665404"/>
-          </a:xfrm>
-        </p:spPr>
-        <p:txBody>
-          <a:bodyPr>
-            <a:normAutofit/>
-          </a:bodyPr>
-          <a:lstStyle/>
-          <a:p>
-            <a:r>
-              <a:rPr lang="en-US" i="1" u="sng" dirty="0"/>
-              <a:t>async</a:t>
-            </a:r>
-            <a:r>
-              <a:rPr lang="en-US" dirty="0"/>
-              <a:t> keyword used in combination with a function declaration creates an </a:t>
-            </a:r>
-            <a:r>
-              <a:rPr lang="en-US" b="1" u="sng" dirty="0"/>
-              <a:t>async function</a:t>
-            </a:r>
-            <a:r>
-              <a:rPr lang="en-US" dirty="0"/>
-              <a:t> that returns a Promise. </a:t>
-            </a:r>
-          </a:p>
-          <a:p>
-            <a:pPr lvl="1"/>
+              <a:t>Modules are files containing blocks of code specific to certain events, functions, or roles. </a:t>
+            </a:r>
+          </a:p>
+          <a:p>
+            <a:endParaRPr lang="en-US" dirty="0"/>
+          </a:p>
+          <a:p>
             <a:r>
               <a:rPr lang="en-US" dirty="0"/>
               <a:t>Use the </a:t>
             </a:r>
             <a:r>
-              <a:rPr lang="en-US" i="1" u="sng" dirty="0"/>
-              <a:t>await</a:t>
-            </a:r>
-            <a:r>
-              <a:rPr lang="en-US" dirty="0"/>
-              <a:t> keyword to block event loop until Promise resolves or rejects.</a:t>
-            </a:r>
-          </a:p>
-          <a:p>
-            <a:pPr lvl="1"/>
-            <a:r>
-              <a:rPr lang="en-US" i="1" u="sng" dirty="0"/>
-              <a:t>await</a:t>
-            </a:r>
-            <a:r>
-              <a:rPr lang="en-US" dirty="0"/>
-              <a:t> allows assignment of a resolved Promise value to a variable. </a:t>
-            </a:r>
-            <a:endParaRPr lang="en-US" i="1" u="sng" dirty="0"/>
+              <a:rPr lang="en-US" i="1" dirty="0"/>
+              <a:t>require()</a:t>
+            </a:r>
+            <a:r>
+              <a:rPr lang="en-US" dirty="0"/>
+              <a:t> function to include a module. </a:t>
+            </a:r>
+          </a:p>
+          <a:p>
+            <a:endParaRPr lang="en-US" dirty="0"/>
+          </a:p>
+          <a:p>
+            <a:r>
+              <a:rPr lang="en-US" dirty="0"/>
+              <a:t>Modules can be stored to a variable. </a:t>
+            </a:r>
+          </a:p>
+          <a:p>
+            <a:endParaRPr lang="en-US" dirty="0"/>
           </a:p>
         </p:txBody>
       </p:sp>
@@ -4034,7 +4634,7 @@
           <p:cNvPr id="5" name="Picture 4">
             <a:extLst>
               <a:ext uri="{FF2B5EF4-FFF2-40B4-BE49-F238E27FC236}">
-                <a16:creationId xmlns:a16="http://schemas.microsoft.com/office/drawing/2014/main" id="{B1322258-32F0-90F2-064F-9461B5A41A5A}"/>
+                <a16:creationId xmlns:a16="http://schemas.microsoft.com/office/drawing/2014/main" id="{4AB5171C-A6BF-4346-5001-A05E218BEC75}"/>
               </a:ext>
             </a:extLst>
           </p:cNvPr>
@@ -4051,8 +4651,8 @@
         </p:blipFill>
         <p:spPr>
           <a:xfrm>
-            <a:off x="5304452" y="1614975"/>
-            <a:ext cx="6325483" cy="4163006"/>
+            <a:off x="360463" y="4625072"/>
+            <a:ext cx="7123179" cy="1551891"/>
           </a:xfrm>
           <a:prstGeom prst="rect">
             <a:avLst/>
@@ -4062,351 +4662,7 @@
     </p:spTree>
     <p:extLst>
       <p:ext uri="{BB962C8B-B14F-4D97-AF65-F5344CB8AC3E}">
-        <p14:creationId xmlns:p14="http://schemas.microsoft.com/office/powerpoint/2010/main" val="2431141606"/>
-      </p:ext>
-    </p:extLst>
-  </p:cSld>
-  <p:clrMapOvr>
-    <a:masterClrMapping/>
-  </p:clrMapOvr>
-</p:sld>
-</file>
-
-<file path=ppt/slides/slide6.xml><?xml version="1.0" encoding="utf-8"?>
-<p:sld xmlns:a="http://schemas.openxmlformats.org/drawingml/2006/main" xmlns:r="http://schemas.openxmlformats.org/officeDocument/2006/relationships" xmlns:p="http://schemas.openxmlformats.org/presentationml/2006/main">
-  <p:cSld>
-    <p:spTree>
-      <p:nvGrpSpPr>
-        <p:cNvPr id="1" name=""/>
-        <p:cNvGrpSpPr/>
-        <p:nvPr/>
-      </p:nvGrpSpPr>
-      <p:grpSpPr>
-        <a:xfrm>
-          <a:off x="0" y="0"/>
-          <a:ext cx="0" cy="0"/>
-          <a:chOff x="0" y="0"/>
-          <a:chExt cx="0" cy="0"/>
-        </a:xfrm>
-      </p:grpSpPr>
-      <p:sp>
-        <p:nvSpPr>
-          <p:cNvPr id="2" name="Title 1">
-            <a:extLst>
-              <a:ext uri="{FF2B5EF4-FFF2-40B4-BE49-F238E27FC236}">
-                <a16:creationId xmlns:a16="http://schemas.microsoft.com/office/drawing/2014/main" id="{DC062749-6680-9ACC-81DE-65F119F4122A}"/>
-              </a:ext>
-            </a:extLst>
-          </p:cNvPr>
-          <p:cNvSpPr>
-            <a:spLocks noGrp="1"/>
-          </p:cNvSpPr>
-          <p:nvPr>
-            <p:ph type="title"/>
-          </p:nvPr>
-        </p:nvSpPr>
-        <p:spPr/>
-        <p:txBody>
-          <a:bodyPr/>
-          <a:lstStyle/>
-          <a:p>
-            <a:r>
-              <a:rPr lang="en-US" dirty="0" err="1"/>
-              <a:t>setInterval</a:t>
-            </a:r>
-            <a:r>
-              <a:rPr lang="en-US" dirty="0"/>
-              <a:t>()</a:t>
-            </a:r>
-          </a:p>
-        </p:txBody>
-      </p:sp>
-      <p:sp>
-        <p:nvSpPr>
-          <p:cNvPr id="3" name="Content Placeholder 2">
-            <a:extLst>
-              <a:ext uri="{FF2B5EF4-FFF2-40B4-BE49-F238E27FC236}">
-                <a16:creationId xmlns:a16="http://schemas.microsoft.com/office/drawing/2014/main" id="{2A1F95D1-8F58-C1EC-E143-1BD8CFAA0FB6}"/>
-              </a:ext>
-            </a:extLst>
-          </p:cNvPr>
-          <p:cNvSpPr>
-            <a:spLocks noGrp="1"/>
-          </p:cNvSpPr>
-          <p:nvPr>
-            <p:ph idx="1"/>
-          </p:nvPr>
-        </p:nvSpPr>
-        <p:spPr>
-          <a:xfrm>
-            <a:off x="267478" y="1486678"/>
-            <a:ext cx="5405534" cy="4690285"/>
-          </a:xfrm>
-        </p:spPr>
-        <p:txBody>
-          <a:bodyPr>
-            <a:normAutofit lnSpcReduction="10000"/>
-          </a:bodyPr>
-          <a:lstStyle/>
-          <a:p>
-            <a:r>
-              <a:rPr lang="en-US" dirty="0" err="1"/>
-              <a:t>setInterval</a:t>
-            </a:r>
-            <a:r>
-              <a:rPr lang="en-US" dirty="0"/>
-              <a:t>() executes code blocks at specific intervals, measured in milliseconds. </a:t>
-            </a:r>
-          </a:p>
-          <a:p>
-            <a:pPr lvl="1"/>
-            <a:r>
-              <a:rPr lang="en-US" dirty="0"/>
-              <a:t>Two arguments required: name of function, number of milliseconds. </a:t>
-            </a:r>
-          </a:p>
-          <a:p>
-            <a:pPr lvl="1"/>
-            <a:r>
-              <a:rPr lang="en-US" dirty="0"/>
-              <a:t>Option:  Pass additional arguments to the called function. </a:t>
-            </a:r>
-          </a:p>
-          <a:p>
-            <a:pPr lvl="1"/>
-            <a:endParaRPr lang="en-US" dirty="0"/>
-          </a:p>
-          <a:p>
-            <a:r>
-              <a:rPr lang="en-US" dirty="0" err="1"/>
-              <a:t>setInterval</a:t>
-            </a:r>
-            <a:r>
-              <a:rPr lang="en-US" dirty="0"/>
-              <a:t>() will continue to run until:</a:t>
-            </a:r>
-          </a:p>
-          <a:p>
-            <a:pPr lvl="1"/>
-            <a:r>
-              <a:rPr lang="en-US" dirty="0" err="1"/>
-              <a:t>clearInterval</a:t>
-            </a:r>
-            <a:r>
-              <a:rPr lang="en-US" dirty="0"/>
-              <a:t>() is called. </a:t>
-            </a:r>
-          </a:p>
-          <a:p>
-            <a:pPr lvl="1"/>
-            <a:r>
-              <a:rPr lang="en-US" dirty="0"/>
-              <a:t>Node process exits. </a:t>
-            </a:r>
-          </a:p>
-        </p:txBody>
-      </p:sp>
-      <p:pic>
-        <p:nvPicPr>
-          <p:cNvPr id="5" name="Picture 4">
-            <a:extLst>
-              <a:ext uri="{FF2B5EF4-FFF2-40B4-BE49-F238E27FC236}">
-                <a16:creationId xmlns:a16="http://schemas.microsoft.com/office/drawing/2014/main" id="{7063BDEF-2B84-BD66-1168-C72FD692E539}"/>
-              </a:ext>
-            </a:extLst>
-          </p:cNvPr>
-          <p:cNvPicPr>
-            <a:picLocks noChangeAspect="1"/>
-          </p:cNvPicPr>
-          <p:nvPr/>
-        </p:nvPicPr>
-        <p:blipFill>
-          <a:blip r:embed="rId2"/>
-          <a:stretch>
-            <a:fillRect/>
-          </a:stretch>
-        </p:blipFill>
-        <p:spPr>
-          <a:xfrm>
-            <a:off x="5915609" y="2368809"/>
-            <a:ext cx="5794755" cy="2535206"/>
-          </a:xfrm>
-          <a:prstGeom prst="rect">
-            <a:avLst/>
-          </a:prstGeom>
-        </p:spPr>
-      </p:pic>
-    </p:spTree>
-    <p:extLst>
-      <p:ext uri="{BB962C8B-B14F-4D97-AF65-F5344CB8AC3E}">
-        <p14:creationId xmlns:p14="http://schemas.microsoft.com/office/powerpoint/2010/main" val="534996931"/>
-      </p:ext>
-    </p:extLst>
-  </p:cSld>
-  <p:clrMapOvr>
-    <a:masterClrMapping/>
-  </p:clrMapOvr>
-</p:sld>
-</file>
-
-<file path=ppt/slides/slide7.xml><?xml version="1.0" encoding="utf-8"?>
-<p:sld xmlns:a="http://schemas.openxmlformats.org/drawingml/2006/main" xmlns:r="http://schemas.openxmlformats.org/officeDocument/2006/relationships" xmlns:p="http://schemas.openxmlformats.org/presentationml/2006/main">
-  <p:cSld>
-    <p:spTree>
-      <p:nvGrpSpPr>
-        <p:cNvPr id="1" name=""/>
-        <p:cNvGrpSpPr/>
-        <p:nvPr/>
-      </p:nvGrpSpPr>
-      <p:grpSpPr>
-        <a:xfrm>
-          <a:off x="0" y="0"/>
-          <a:ext cx="0" cy="0"/>
-          <a:chOff x="0" y="0"/>
-          <a:chExt cx="0" cy="0"/>
-        </a:xfrm>
-      </p:grpSpPr>
-      <p:sp>
-        <p:nvSpPr>
-          <p:cNvPr id="2" name="Title 1">
-            <a:extLst>
-              <a:ext uri="{FF2B5EF4-FFF2-40B4-BE49-F238E27FC236}">
-                <a16:creationId xmlns:a16="http://schemas.microsoft.com/office/drawing/2014/main" id="{EBDBAA10-0A33-E934-5D82-4050D0D128D9}"/>
-              </a:ext>
-            </a:extLst>
-          </p:cNvPr>
-          <p:cNvSpPr>
-            <a:spLocks noGrp="1"/>
-          </p:cNvSpPr>
-          <p:nvPr>
-            <p:ph type="title"/>
-          </p:nvPr>
-        </p:nvSpPr>
-        <p:spPr/>
-        <p:txBody>
-          <a:bodyPr/>
-          <a:lstStyle/>
-          <a:p>
-            <a:r>
-              <a:rPr lang="en-US" dirty="0" err="1"/>
-              <a:t>setTimeout</a:t>
-            </a:r>
-            <a:r>
-              <a:rPr lang="en-US" dirty="0"/>
-              <a:t>() </a:t>
-            </a:r>
-          </a:p>
-        </p:txBody>
-      </p:sp>
-      <p:sp>
-        <p:nvSpPr>
-          <p:cNvPr id="3" name="Content Placeholder 2">
-            <a:extLst>
-              <a:ext uri="{FF2B5EF4-FFF2-40B4-BE49-F238E27FC236}">
-                <a16:creationId xmlns:a16="http://schemas.microsoft.com/office/drawing/2014/main" id="{ABE42334-DF0B-1BCE-636D-B69EF8667F45}"/>
-              </a:ext>
-            </a:extLst>
-          </p:cNvPr>
-          <p:cNvSpPr>
-            <a:spLocks noGrp="1"/>
-          </p:cNvSpPr>
-          <p:nvPr>
-            <p:ph idx="1"/>
-          </p:nvPr>
-        </p:nvSpPr>
-        <p:spPr>
-          <a:xfrm>
-            <a:off x="261257" y="1443135"/>
-            <a:ext cx="4491135" cy="4733828"/>
-          </a:xfrm>
-        </p:spPr>
-        <p:txBody>
-          <a:bodyPr>
-            <a:normAutofit/>
-          </a:bodyPr>
-          <a:lstStyle/>
-          <a:p>
-            <a:r>
-              <a:rPr lang="en-US" dirty="0"/>
-              <a:t>Executes a block of code </a:t>
-            </a:r>
-            <a:r>
-              <a:rPr lang="en-US" b="1" u="sng" dirty="0"/>
-              <a:t>once</a:t>
-            </a:r>
-            <a:r>
-              <a:rPr lang="en-US" dirty="0"/>
-              <a:t> after a specific time interval in milliseconds. </a:t>
-            </a:r>
-          </a:p>
-          <a:p>
-            <a:pPr lvl="1"/>
-            <a:r>
-              <a:rPr lang="en-US" dirty="0"/>
-              <a:t>Accepts same arguments as </a:t>
-            </a:r>
-            <a:r>
-              <a:rPr lang="en-US" dirty="0" err="1"/>
-              <a:t>setInterval</a:t>
-            </a:r>
-            <a:r>
-              <a:rPr lang="en-US" dirty="0"/>
-              <a:t>() </a:t>
-            </a:r>
-          </a:p>
-          <a:p>
-            <a:pPr lvl="1"/>
-            <a:endParaRPr lang="en-US" dirty="0"/>
-          </a:p>
-          <a:p>
-            <a:r>
-              <a:rPr lang="en-US" dirty="0" err="1"/>
-              <a:t>clearTimeout</a:t>
-            </a:r>
-            <a:r>
-              <a:rPr lang="en-US" dirty="0"/>
-              <a:t>() will prevent specified function from executing. </a:t>
-            </a:r>
-          </a:p>
-          <a:p>
-            <a:endParaRPr lang="en-US" dirty="0"/>
-          </a:p>
-        </p:txBody>
-      </p:sp>
-      <p:pic>
-        <p:nvPicPr>
-          <p:cNvPr id="5" name="Picture 4">
-            <a:extLst>
-              <a:ext uri="{FF2B5EF4-FFF2-40B4-BE49-F238E27FC236}">
-                <a16:creationId xmlns:a16="http://schemas.microsoft.com/office/drawing/2014/main" id="{8725C1CF-682B-8F2C-49F8-3C2D0750B3A6}"/>
-              </a:ext>
-            </a:extLst>
-          </p:cNvPr>
-          <p:cNvPicPr>
-            <a:picLocks noChangeAspect="1"/>
-          </p:cNvPicPr>
-          <p:nvPr/>
-        </p:nvPicPr>
-        <p:blipFill>
-          <a:blip r:embed="rId2"/>
-          <a:stretch>
-            <a:fillRect/>
-          </a:stretch>
-        </p:blipFill>
-        <p:spPr>
-          <a:xfrm>
-            <a:off x="5309846" y="2090550"/>
-            <a:ext cx="6287377" cy="2676899"/>
-          </a:xfrm>
-          <a:prstGeom prst="rect">
-            <a:avLst/>
-          </a:prstGeom>
-        </p:spPr>
-      </p:pic>
-    </p:spTree>
-    <p:extLst>
-      <p:ext uri="{BB962C8B-B14F-4D97-AF65-F5344CB8AC3E}">
-        <p14:creationId xmlns:p14="http://schemas.microsoft.com/office/powerpoint/2010/main" val="3599647770"/>
+        <p14:creationId xmlns:p14="http://schemas.microsoft.com/office/powerpoint/2010/main" val="3532459037"/>
       </p:ext>
     </p:extLst>
   </p:cSld>

--- a/notes/node.js.pptx
+++ b/notes/node.js.pptx
@@ -14,6 +14,9 @@
     <p:sldId id="262" r:id="rId8"/>
     <p:sldId id="263" r:id="rId9"/>
     <p:sldId id="264" r:id="rId10"/>
+    <p:sldId id="265" r:id="rId11"/>
+    <p:sldId id="266" r:id="rId12"/>
+    <p:sldId id="267" r:id="rId13"/>
   </p:sldIdLst>
   <p:sldSz cx="12192000" cy="6858000"/>
   <p:notesSz cx="6858000" cy="9144000"/>
@@ -267,7 +270,7 @@
           <a:p>
             <a:fld id="{8B47AD30-C0F7-42F3-9D74-0801BBF13844}" type="datetimeFigureOut">
               <a:rPr lang="en-US" smtClean="0"/>
-              <a:t>11/7/2022</a:t>
+              <a:t>11/8/2022</a:t>
             </a:fld>
             <a:endParaRPr lang="en-US"/>
           </a:p>
@@ -465,7 +468,7 @@
           <a:p>
             <a:fld id="{8B47AD30-C0F7-42F3-9D74-0801BBF13844}" type="datetimeFigureOut">
               <a:rPr lang="en-US" smtClean="0"/>
-              <a:t>11/7/2022</a:t>
+              <a:t>11/8/2022</a:t>
             </a:fld>
             <a:endParaRPr lang="en-US"/>
           </a:p>
@@ -673,7 +676,7 @@
           <a:p>
             <a:fld id="{8B47AD30-C0F7-42F3-9D74-0801BBF13844}" type="datetimeFigureOut">
               <a:rPr lang="en-US" smtClean="0"/>
-              <a:t>11/7/2022</a:t>
+              <a:t>11/8/2022</a:t>
             </a:fld>
             <a:endParaRPr lang="en-US"/>
           </a:p>
@@ -871,7 +874,7 @@
           <a:p>
             <a:fld id="{8B47AD30-C0F7-42F3-9D74-0801BBF13844}" type="datetimeFigureOut">
               <a:rPr lang="en-US" smtClean="0"/>
-              <a:t>11/7/2022</a:t>
+              <a:t>11/8/2022</a:t>
             </a:fld>
             <a:endParaRPr lang="en-US"/>
           </a:p>
@@ -1146,7 +1149,7 @@
           <a:p>
             <a:fld id="{8B47AD30-C0F7-42F3-9D74-0801BBF13844}" type="datetimeFigureOut">
               <a:rPr lang="en-US" smtClean="0"/>
-              <a:t>11/7/2022</a:t>
+              <a:t>11/8/2022</a:t>
             </a:fld>
             <a:endParaRPr lang="en-US"/>
           </a:p>
@@ -1411,7 +1414,7 @@
           <a:p>
             <a:fld id="{8B47AD30-C0F7-42F3-9D74-0801BBF13844}" type="datetimeFigureOut">
               <a:rPr lang="en-US" smtClean="0"/>
-              <a:t>11/7/2022</a:t>
+              <a:t>11/8/2022</a:t>
             </a:fld>
             <a:endParaRPr lang="en-US"/>
           </a:p>
@@ -1823,7 +1826,7 @@
           <a:p>
             <a:fld id="{8B47AD30-C0F7-42F3-9D74-0801BBF13844}" type="datetimeFigureOut">
               <a:rPr lang="en-US" smtClean="0"/>
-              <a:t>11/7/2022</a:t>
+              <a:t>11/8/2022</a:t>
             </a:fld>
             <a:endParaRPr lang="en-US"/>
           </a:p>
@@ -1964,7 +1967,7 @@
           <a:p>
             <a:fld id="{8B47AD30-C0F7-42F3-9D74-0801BBF13844}" type="datetimeFigureOut">
               <a:rPr lang="en-US" smtClean="0"/>
-              <a:t>11/7/2022</a:t>
+              <a:t>11/8/2022</a:t>
             </a:fld>
             <a:endParaRPr lang="en-US"/>
           </a:p>
@@ -2077,7 +2080,7 @@
           <a:p>
             <a:fld id="{8B47AD30-C0F7-42F3-9D74-0801BBF13844}" type="datetimeFigureOut">
               <a:rPr lang="en-US" smtClean="0"/>
-              <a:t>11/7/2022</a:t>
+              <a:t>11/8/2022</a:t>
             </a:fld>
             <a:endParaRPr lang="en-US"/>
           </a:p>
@@ -2388,7 +2391,7 @@
           <a:p>
             <a:fld id="{8B47AD30-C0F7-42F3-9D74-0801BBF13844}" type="datetimeFigureOut">
               <a:rPr lang="en-US" smtClean="0"/>
-              <a:t>11/7/2022</a:t>
+              <a:t>11/8/2022</a:t>
             </a:fld>
             <a:endParaRPr lang="en-US"/>
           </a:p>
@@ -2676,7 +2679,7 @@
           <a:p>
             <a:fld id="{8B47AD30-C0F7-42F3-9D74-0801BBF13844}" type="datetimeFigureOut">
               <a:rPr lang="en-US" smtClean="0"/>
-              <a:t>11/7/2022</a:t>
+              <a:t>11/8/2022</a:t>
             </a:fld>
             <a:endParaRPr lang="en-US"/>
           </a:p>
@@ -2917,7 +2920,7 @@
           <a:p>
             <a:fld id="{8B47AD30-C0F7-42F3-9D74-0801BBF13844}" type="datetimeFigureOut">
               <a:rPr lang="en-US" smtClean="0"/>
-              <a:t>11/7/2022</a:t>
+              <a:t>11/8/2022</a:t>
             </a:fld>
             <a:endParaRPr lang="en-US"/>
           </a:p>
@@ -3391,6 +3394,487 @@
     <p:extLst>
       <p:ext uri="{BB962C8B-B14F-4D97-AF65-F5344CB8AC3E}">
         <p14:creationId xmlns:p14="http://schemas.microsoft.com/office/powerpoint/2010/main" val="2744433395"/>
+      </p:ext>
+    </p:extLst>
+  </p:cSld>
+  <p:clrMapOvr>
+    <a:masterClrMapping/>
+  </p:clrMapOvr>
+</p:sld>
+</file>
+
+<file path=ppt/slides/slide10.xml><?xml version="1.0" encoding="utf-8"?>
+<p:sld xmlns:a="http://schemas.openxmlformats.org/drawingml/2006/main" xmlns:r="http://schemas.openxmlformats.org/officeDocument/2006/relationships" xmlns:p="http://schemas.openxmlformats.org/presentationml/2006/main">
+  <p:cSld>
+    <p:spTree>
+      <p:nvGrpSpPr>
+        <p:cNvPr id="1" name=""/>
+        <p:cNvGrpSpPr/>
+        <p:nvPr/>
+      </p:nvGrpSpPr>
+      <p:grpSpPr>
+        <a:xfrm>
+          <a:off x="0" y="0"/>
+          <a:ext cx="0" cy="0"/>
+          <a:chOff x="0" y="0"/>
+          <a:chExt cx="0" cy="0"/>
+        </a:xfrm>
+      </p:grpSpPr>
+      <p:sp>
+        <p:nvSpPr>
+          <p:cNvPr id="2" name="Title 1">
+            <a:extLst>
+              <a:ext uri="{FF2B5EF4-FFF2-40B4-BE49-F238E27FC236}">
+                <a16:creationId xmlns:a16="http://schemas.microsoft.com/office/drawing/2014/main" id="{D8131FC3-5DB0-B5E2-DE89-35A7EAB48835}"/>
+              </a:ext>
+            </a:extLst>
+          </p:cNvPr>
+          <p:cNvSpPr>
+            <a:spLocks noGrp="1"/>
+          </p:cNvSpPr>
+          <p:nvPr>
+            <p:ph type="title"/>
+          </p:nvPr>
+        </p:nvSpPr>
+        <p:spPr/>
+        <p:txBody>
+          <a:bodyPr/>
+          <a:lstStyle/>
+          <a:p>
+            <a:r>
+              <a:rPr lang="en-US" dirty="0"/>
+              <a:t>Process Module</a:t>
+            </a:r>
+          </a:p>
+        </p:txBody>
+      </p:sp>
+      <p:sp>
+        <p:nvSpPr>
+          <p:cNvPr id="3" name="Content Placeholder 2">
+            <a:extLst>
+              <a:ext uri="{FF2B5EF4-FFF2-40B4-BE49-F238E27FC236}">
+                <a16:creationId xmlns:a16="http://schemas.microsoft.com/office/drawing/2014/main" id="{4496E383-5467-74B5-7097-A66C7A42FD63}"/>
+              </a:ext>
+            </a:extLst>
+          </p:cNvPr>
+          <p:cNvSpPr>
+            <a:spLocks noGrp="1"/>
+          </p:cNvSpPr>
+          <p:nvPr>
+            <p:ph idx="1"/>
+          </p:nvPr>
+        </p:nvSpPr>
+        <p:spPr/>
+        <p:txBody>
+          <a:bodyPr/>
+          <a:lstStyle/>
+          <a:p>
+            <a:r>
+              <a:rPr lang="en-US" dirty="0"/>
+              <a:t>Global </a:t>
+            </a:r>
+            <a:r>
+              <a:rPr lang="en-US" i="1" u="sng" dirty="0"/>
+              <a:t>process</a:t>
+            </a:r>
+            <a:r>
+              <a:rPr lang="en-US" dirty="0"/>
+              <a:t> object with methods and info re: current process </a:t>
+            </a:r>
+          </a:p>
+          <a:p>
+            <a:pPr lvl="1"/>
+            <a:r>
+              <a:rPr lang="en-US" i="1" u="sng" dirty="0" err="1"/>
+              <a:t>process.env</a:t>
+            </a:r>
+            <a:r>
+              <a:rPr lang="en-US" i="1" u="sng" dirty="0"/>
+              <a:t> </a:t>
+            </a:r>
+            <a:r>
+              <a:rPr lang="en-US" dirty="0"/>
+              <a:t> is a property which stores and controls info. re: environment process is currently running. </a:t>
+            </a:r>
+          </a:p>
+          <a:p>
+            <a:pPr lvl="2"/>
+            <a:r>
+              <a:rPr lang="en-US" i="1" u="sng" dirty="0"/>
+              <a:t>Example:</a:t>
+            </a:r>
+            <a:r>
+              <a:rPr lang="en-US" b="1" i="1" dirty="0"/>
+              <a:t> </a:t>
+            </a:r>
+            <a:r>
+              <a:rPr lang="en-US" dirty="0"/>
+              <a:t>can use if/else statements to change behavior between PRODUCTION and DEVELOPMENT environment. </a:t>
+            </a:r>
+          </a:p>
+          <a:p>
+            <a:pPr lvl="3"/>
+            <a:r>
+              <a:rPr lang="en-US" dirty="0"/>
+              <a:t>Usually added as a </a:t>
+            </a:r>
+            <a:r>
+              <a:rPr lang="en-US" i="1" dirty="0" err="1"/>
+              <a:t>process.env</a:t>
+            </a:r>
+            <a:r>
+              <a:rPr lang="en-US" dirty="0"/>
+              <a:t> key NODE_ENV of ‘production’ or ‘development’.  </a:t>
+            </a:r>
+          </a:p>
+          <a:p>
+            <a:pPr lvl="1"/>
+            <a:r>
+              <a:rPr lang="en-US" i="1" u="sng" dirty="0" err="1"/>
+              <a:t>process.argv</a:t>
+            </a:r>
+            <a:r>
+              <a:rPr lang="en-US" dirty="0"/>
+              <a:t> property stores command line values in an array when process is initiated. </a:t>
+            </a:r>
+          </a:p>
+          <a:p>
+            <a:pPr lvl="2"/>
+            <a:r>
+              <a:rPr lang="en-US" dirty="0"/>
+              <a:t>First element will be the absolute path to node. </a:t>
+            </a:r>
+          </a:p>
+          <a:p>
+            <a:pPr lvl="2"/>
+            <a:r>
+              <a:rPr lang="en-US" dirty="0"/>
+              <a:t>Second element is file path that is running in Node. </a:t>
+            </a:r>
+          </a:p>
+          <a:p>
+            <a:pPr lvl="2"/>
+            <a:r>
+              <a:rPr lang="en-US" dirty="0"/>
+              <a:t>Remaining elements will be command line arguments passed to Note. </a:t>
+            </a:r>
+          </a:p>
+        </p:txBody>
+      </p:sp>
+    </p:spTree>
+    <p:extLst>
+      <p:ext uri="{BB962C8B-B14F-4D97-AF65-F5344CB8AC3E}">
+        <p14:creationId xmlns:p14="http://schemas.microsoft.com/office/powerpoint/2010/main" val="1214407997"/>
+      </p:ext>
+    </p:extLst>
+  </p:cSld>
+  <p:clrMapOvr>
+    <a:masterClrMapping/>
+  </p:clrMapOvr>
+</p:sld>
+</file>
+
+<file path=ppt/slides/slide11.xml><?xml version="1.0" encoding="utf-8"?>
+<p:sld xmlns:a="http://schemas.openxmlformats.org/drawingml/2006/main" xmlns:r="http://schemas.openxmlformats.org/officeDocument/2006/relationships" xmlns:p="http://schemas.openxmlformats.org/presentationml/2006/main">
+  <p:cSld>
+    <p:spTree>
+      <p:nvGrpSpPr>
+        <p:cNvPr id="1" name=""/>
+        <p:cNvGrpSpPr/>
+        <p:nvPr/>
+      </p:nvGrpSpPr>
+      <p:grpSpPr>
+        <a:xfrm>
+          <a:off x="0" y="0"/>
+          <a:ext cx="0" cy="0"/>
+          <a:chOff x="0" y="0"/>
+          <a:chExt cx="0" cy="0"/>
+        </a:xfrm>
+      </p:grpSpPr>
+      <p:sp>
+        <p:nvSpPr>
+          <p:cNvPr id="2" name="Title 1">
+            <a:extLst>
+              <a:ext uri="{FF2B5EF4-FFF2-40B4-BE49-F238E27FC236}">
+                <a16:creationId xmlns:a16="http://schemas.microsoft.com/office/drawing/2014/main" id="{77BC6420-6AC2-DDC8-998C-CC46F0BBD568}"/>
+              </a:ext>
+            </a:extLst>
+          </p:cNvPr>
+          <p:cNvSpPr>
+            <a:spLocks noGrp="1"/>
+          </p:cNvSpPr>
+          <p:nvPr>
+            <p:ph type="title"/>
+          </p:nvPr>
+        </p:nvSpPr>
+        <p:spPr/>
+        <p:txBody>
+          <a:bodyPr/>
+          <a:lstStyle/>
+          <a:p>
+            <a:r>
+              <a:rPr lang="en-US" dirty="0"/>
+              <a:t>OS Module [Core Module]</a:t>
+            </a:r>
+          </a:p>
+        </p:txBody>
+      </p:sp>
+      <p:sp>
+        <p:nvSpPr>
+          <p:cNvPr id="3" name="Content Placeholder 2">
+            <a:extLst>
+              <a:ext uri="{FF2B5EF4-FFF2-40B4-BE49-F238E27FC236}">
+                <a16:creationId xmlns:a16="http://schemas.microsoft.com/office/drawing/2014/main" id="{B9872AD3-527A-23B2-CDF7-B1E30BD50B8C}"/>
+              </a:ext>
+            </a:extLst>
+          </p:cNvPr>
+          <p:cNvSpPr>
+            <a:spLocks noGrp="1"/>
+          </p:cNvSpPr>
+          <p:nvPr>
+            <p:ph idx="1"/>
+          </p:nvPr>
+        </p:nvSpPr>
+        <p:spPr/>
+        <p:txBody>
+          <a:bodyPr/>
+          <a:lstStyle/>
+          <a:p>
+            <a:r>
+              <a:rPr lang="en-US" dirty="0"/>
+              <a:t>OS Module is not global, must be included. </a:t>
+            </a:r>
+          </a:p>
+          <a:p>
+            <a:pPr lvl="1"/>
+            <a:r>
+              <a:rPr lang="en-US" dirty="0"/>
+              <a:t>const </a:t>
+            </a:r>
+            <a:r>
+              <a:rPr lang="en-US" dirty="0" err="1"/>
+              <a:t>os</a:t>
+            </a:r>
+            <a:r>
+              <a:rPr lang="en-US" dirty="0"/>
+              <a:t> = require(‘</a:t>
+            </a:r>
+            <a:r>
+              <a:rPr lang="en-US" dirty="0" err="1"/>
+              <a:t>os</a:t>
+            </a:r>
+            <a:r>
+              <a:rPr lang="en-US" dirty="0"/>
+              <a:t>’); </a:t>
+            </a:r>
+          </a:p>
+          <a:p>
+            <a:pPr lvl="2"/>
+            <a:r>
+              <a:rPr lang="en-US" dirty="0" err="1"/>
+              <a:t>os.type</a:t>
+            </a:r>
+            <a:r>
+              <a:rPr lang="en-US" dirty="0"/>
+              <a:t>() – Return machine OS </a:t>
+            </a:r>
+          </a:p>
+          <a:p>
+            <a:pPr lvl="2"/>
+            <a:r>
+              <a:rPr lang="en-US" dirty="0" err="1"/>
+              <a:t>os.arch</a:t>
+            </a:r>
+            <a:r>
+              <a:rPr lang="en-US" dirty="0"/>
+              <a:t>() – Return CPU architecture </a:t>
+            </a:r>
+          </a:p>
+          <a:p>
+            <a:pPr lvl="2"/>
+            <a:r>
+              <a:rPr lang="en-US" dirty="0" err="1"/>
+              <a:t>os.NetworkInterfaces</a:t>
+            </a:r>
+            <a:r>
+              <a:rPr lang="en-US" dirty="0"/>
+              <a:t>() – Return info such as IP and MAC address. </a:t>
+            </a:r>
+          </a:p>
+          <a:p>
+            <a:pPr lvl="2"/>
+            <a:r>
+              <a:rPr lang="en-US" dirty="0" err="1"/>
+              <a:t>os.homedir</a:t>
+            </a:r>
+            <a:r>
+              <a:rPr lang="en-US" dirty="0"/>
+              <a:t>() – Return current user’s home directory. </a:t>
+            </a:r>
+          </a:p>
+          <a:p>
+            <a:pPr lvl="2"/>
+            <a:r>
+              <a:rPr lang="en-US" dirty="0" err="1"/>
+              <a:t>os.hostname</a:t>
+            </a:r>
+            <a:r>
+              <a:rPr lang="en-US" dirty="0"/>
+              <a:t>() – Return hostname of OS. </a:t>
+            </a:r>
+          </a:p>
+          <a:p>
+            <a:pPr lvl="2"/>
+            <a:r>
+              <a:rPr lang="en-US" dirty="0" err="1"/>
+              <a:t>os.uptime</a:t>
+            </a:r>
+            <a:r>
+              <a:rPr lang="en-US" dirty="0"/>
+              <a:t>() – Return system uptime, in seconds. </a:t>
+            </a:r>
+          </a:p>
+          <a:p>
+            <a:pPr lvl="2"/>
+            <a:endParaRPr lang="en-US" dirty="0"/>
+          </a:p>
+        </p:txBody>
+      </p:sp>
+    </p:spTree>
+    <p:extLst>
+      <p:ext uri="{BB962C8B-B14F-4D97-AF65-F5344CB8AC3E}">
+        <p14:creationId xmlns:p14="http://schemas.microsoft.com/office/powerpoint/2010/main" val="1119798788"/>
+      </p:ext>
+    </p:extLst>
+  </p:cSld>
+  <p:clrMapOvr>
+    <a:masterClrMapping/>
+  </p:clrMapOvr>
+</p:sld>
+</file>
+
+<file path=ppt/slides/slide12.xml><?xml version="1.0" encoding="utf-8"?>
+<p:sld xmlns:a="http://schemas.openxmlformats.org/drawingml/2006/main" xmlns:r="http://schemas.openxmlformats.org/officeDocument/2006/relationships" xmlns:p="http://schemas.openxmlformats.org/presentationml/2006/main">
+  <p:cSld>
+    <p:spTree>
+      <p:nvGrpSpPr>
+        <p:cNvPr id="1" name=""/>
+        <p:cNvGrpSpPr/>
+        <p:nvPr/>
+      </p:nvGrpSpPr>
+      <p:grpSpPr>
+        <a:xfrm>
+          <a:off x="0" y="0"/>
+          <a:ext cx="0" cy="0"/>
+          <a:chOff x="0" y="0"/>
+          <a:chExt cx="0" cy="0"/>
+        </a:xfrm>
+      </p:grpSpPr>
+      <p:sp>
+        <p:nvSpPr>
+          <p:cNvPr id="2" name="Title 1">
+            <a:extLst>
+              <a:ext uri="{FF2B5EF4-FFF2-40B4-BE49-F238E27FC236}">
+                <a16:creationId xmlns:a16="http://schemas.microsoft.com/office/drawing/2014/main" id="{D43D9309-9F67-B029-05DB-D5F7A954334C}"/>
+              </a:ext>
+            </a:extLst>
+          </p:cNvPr>
+          <p:cNvSpPr>
+            <a:spLocks noGrp="1"/>
+          </p:cNvSpPr>
+          <p:nvPr>
+            <p:ph type="title"/>
+          </p:nvPr>
+        </p:nvSpPr>
+        <p:spPr/>
+        <p:txBody>
+          <a:bodyPr/>
+          <a:lstStyle/>
+          <a:p>
+            <a:r>
+              <a:rPr lang="en-US" dirty="0"/>
+              <a:t>Util Module [Core Module] </a:t>
+            </a:r>
+          </a:p>
+        </p:txBody>
+      </p:sp>
+      <p:sp>
+        <p:nvSpPr>
+          <p:cNvPr id="3" name="Content Placeholder 2">
+            <a:extLst>
+              <a:ext uri="{FF2B5EF4-FFF2-40B4-BE49-F238E27FC236}">
+                <a16:creationId xmlns:a16="http://schemas.microsoft.com/office/drawing/2014/main" id="{B4EB4D51-C3C1-6C63-24A6-190DF95395E4}"/>
+              </a:ext>
+            </a:extLst>
+          </p:cNvPr>
+          <p:cNvSpPr>
+            <a:spLocks noGrp="1"/>
+          </p:cNvSpPr>
+          <p:nvPr>
+            <p:ph idx="1"/>
+          </p:nvPr>
+        </p:nvSpPr>
+        <p:spPr/>
+        <p:txBody>
+          <a:bodyPr/>
+          <a:lstStyle/>
+          <a:p>
+            <a:r>
+              <a:rPr lang="en-US" dirty="0"/>
+              <a:t>Can be used to create functions useful for debugging and maintenance purposes. </a:t>
+            </a:r>
+          </a:p>
+          <a:p>
+            <a:pPr lvl="1"/>
+            <a:r>
+              <a:rPr lang="en-US" dirty="0"/>
+              <a:t>Not a global module, must be included in file </a:t>
+            </a:r>
+          </a:p>
+          <a:p>
+            <a:pPr lvl="1"/>
+            <a:endParaRPr lang="en-US" dirty="0"/>
+          </a:p>
+          <a:p>
+            <a:r>
+              <a:rPr lang="en-US" dirty="0"/>
+              <a:t>types object provides runtime type checking. </a:t>
+            </a:r>
+          </a:p>
+          <a:p>
+            <a:endParaRPr lang="en-US" dirty="0"/>
+          </a:p>
+          <a:p>
+            <a:r>
+              <a:rPr lang="en-US" dirty="0"/>
+              <a:t>.</a:t>
+            </a:r>
+            <a:r>
+              <a:rPr lang="en-US" dirty="0" err="1"/>
+              <a:t>promisify</a:t>
+            </a:r>
+            <a:r>
+              <a:rPr lang="en-US" dirty="0"/>
+              <a:t>() can turn callback functions into Promises. </a:t>
+            </a:r>
+          </a:p>
+          <a:p>
+            <a:pPr lvl="1"/>
+            <a:r>
+              <a:rPr lang="en-US" dirty="0">
+                <a:highlight>
+                  <a:srgbClr val="FFFF00"/>
+                </a:highlight>
+              </a:rPr>
+              <a:t>[I need to review this usage.]</a:t>
+            </a:r>
+          </a:p>
+        </p:txBody>
+      </p:sp>
+    </p:spTree>
+    <p:extLst>
+      <p:ext uri="{BB962C8B-B14F-4D97-AF65-F5344CB8AC3E}">
+        <p14:creationId xmlns:p14="http://schemas.microsoft.com/office/powerpoint/2010/main" val="2887467673"/>
       </p:ext>
     </p:extLst>
   </p:cSld>

--- a/notes/node.js.pptx
+++ b/notes/node.js.pptx
@@ -17,6 +17,7 @@
     <p:sldId id="265" r:id="rId11"/>
     <p:sldId id="266" r:id="rId12"/>
     <p:sldId id="267" r:id="rId13"/>
+    <p:sldId id="268" r:id="rId14"/>
   </p:sldIdLst>
   <p:sldSz cx="12192000" cy="6858000"/>
   <p:notesSz cx="6858000" cy="9144000"/>
@@ -270,7 +271,7 @@
           <a:p>
             <a:fld id="{8B47AD30-C0F7-42F3-9D74-0801BBF13844}" type="datetimeFigureOut">
               <a:rPr lang="en-US" smtClean="0"/>
-              <a:t>11/8/2022</a:t>
+              <a:t>11/10/2022</a:t>
             </a:fld>
             <a:endParaRPr lang="en-US"/>
           </a:p>
@@ -468,7 +469,7 @@
           <a:p>
             <a:fld id="{8B47AD30-C0F7-42F3-9D74-0801BBF13844}" type="datetimeFigureOut">
               <a:rPr lang="en-US" smtClean="0"/>
-              <a:t>11/8/2022</a:t>
+              <a:t>11/10/2022</a:t>
             </a:fld>
             <a:endParaRPr lang="en-US"/>
           </a:p>
@@ -676,7 +677,7 @@
           <a:p>
             <a:fld id="{8B47AD30-C0F7-42F3-9D74-0801BBF13844}" type="datetimeFigureOut">
               <a:rPr lang="en-US" smtClean="0"/>
-              <a:t>11/8/2022</a:t>
+              <a:t>11/10/2022</a:t>
             </a:fld>
             <a:endParaRPr lang="en-US"/>
           </a:p>
@@ -874,7 +875,7 @@
           <a:p>
             <a:fld id="{8B47AD30-C0F7-42F3-9D74-0801BBF13844}" type="datetimeFigureOut">
               <a:rPr lang="en-US" smtClean="0"/>
-              <a:t>11/8/2022</a:t>
+              <a:t>11/10/2022</a:t>
             </a:fld>
             <a:endParaRPr lang="en-US"/>
           </a:p>
@@ -1149,7 +1150,7 @@
           <a:p>
             <a:fld id="{8B47AD30-C0F7-42F3-9D74-0801BBF13844}" type="datetimeFigureOut">
               <a:rPr lang="en-US" smtClean="0"/>
-              <a:t>11/8/2022</a:t>
+              <a:t>11/10/2022</a:t>
             </a:fld>
             <a:endParaRPr lang="en-US"/>
           </a:p>
@@ -1414,7 +1415,7 @@
           <a:p>
             <a:fld id="{8B47AD30-C0F7-42F3-9D74-0801BBF13844}" type="datetimeFigureOut">
               <a:rPr lang="en-US" smtClean="0"/>
-              <a:t>11/8/2022</a:t>
+              <a:t>11/10/2022</a:t>
             </a:fld>
             <a:endParaRPr lang="en-US"/>
           </a:p>
@@ -1826,7 +1827,7 @@
           <a:p>
             <a:fld id="{8B47AD30-C0F7-42F3-9D74-0801BBF13844}" type="datetimeFigureOut">
               <a:rPr lang="en-US" smtClean="0"/>
-              <a:t>11/8/2022</a:t>
+              <a:t>11/10/2022</a:t>
             </a:fld>
             <a:endParaRPr lang="en-US"/>
           </a:p>
@@ -1967,7 +1968,7 @@
           <a:p>
             <a:fld id="{8B47AD30-C0F7-42F3-9D74-0801BBF13844}" type="datetimeFigureOut">
               <a:rPr lang="en-US" smtClean="0"/>
-              <a:t>11/8/2022</a:t>
+              <a:t>11/10/2022</a:t>
             </a:fld>
             <a:endParaRPr lang="en-US"/>
           </a:p>
@@ -2080,7 +2081,7 @@
           <a:p>
             <a:fld id="{8B47AD30-C0F7-42F3-9D74-0801BBF13844}" type="datetimeFigureOut">
               <a:rPr lang="en-US" smtClean="0"/>
-              <a:t>11/8/2022</a:t>
+              <a:t>11/10/2022</a:t>
             </a:fld>
             <a:endParaRPr lang="en-US"/>
           </a:p>
@@ -2391,7 +2392,7 @@
           <a:p>
             <a:fld id="{8B47AD30-C0F7-42F3-9D74-0801BBF13844}" type="datetimeFigureOut">
               <a:rPr lang="en-US" smtClean="0"/>
-              <a:t>11/8/2022</a:t>
+              <a:t>11/10/2022</a:t>
             </a:fld>
             <a:endParaRPr lang="en-US"/>
           </a:p>
@@ -2679,7 +2680,7 @@
           <a:p>
             <a:fld id="{8B47AD30-C0F7-42F3-9D74-0801BBF13844}" type="datetimeFigureOut">
               <a:rPr lang="en-US" smtClean="0"/>
-              <a:t>11/8/2022</a:t>
+              <a:t>11/10/2022</a:t>
             </a:fld>
             <a:endParaRPr lang="en-US"/>
           </a:p>
@@ -2920,7 +2921,7 @@
           <a:p>
             <a:fld id="{8B47AD30-C0F7-42F3-9D74-0801BBF13844}" type="datetimeFigureOut">
               <a:rPr lang="en-US" smtClean="0"/>
-              <a:t>11/8/2022</a:t>
+              <a:t>11/10/2022</a:t>
             </a:fld>
             <a:endParaRPr lang="en-US"/>
           </a:p>
@@ -3875,6 +3876,145 @@
     <p:extLst>
       <p:ext uri="{BB962C8B-B14F-4D97-AF65-F5344CB8AC3E}">
         <p14:creationId xmlns:p14="http://schemas.microsoft.com/office/powerpoint/2010/main" val="2887467673"/>
+      </p:ext>
+    </p:extLst>
+  </p:cSld>
+  <p:clrMapOvr>
+    <a:masterClrMapping/>
+  </p:clrMapOvr>
+</p:sld>
+</file>
+
+<file path=ppt/slides/slide13.xml><?xml version="1.0" encoding="utf-8"?>
+<p:sld xmlns:a="http://schemas.openxmlformats.org/drawingml/2006/main" xmlns:r="http://schemas.openxmlformats.org/officeDocument/2006/relationships" xmlns:p="http://schemas.openxmlformats.org/presentationml/2006/main">
+  <p:cSld>
+    <p:spTree>
+      <p:nvGrpSpPr>
+        <p:cNvPr id="1" name=""/>
+        <p:cNvGrpSpPr/>
+        <p:nvPr/>
+      </p:nvGrpSpPr>
+      <p:grpSpPr>
+        <a:xfrm>
+          <a:off x="0" y="0"/>
+          <a:ext cx="0" cy="0"/>
+          <a:chOff x="0" y="0"/>
+          <a:chExt cx="0" cy="0"/>
+        </a:xfrm>
+      </p:grpSpPr>
+      <p:sp>
+        <p:nvSpPr>
+          <p:cNvPr id="2" name="Title 1">
+            <a:extLst>
+              <a:ext uri="{FF2B5EF4-FFF2-40B4-BE49-F238E27FC236}">
+                <a16:creationId xmlns:a16="http://schemas.microsoft.com/office/drawing/2014/main" id="{1F70DC0C-256A-5D63-F7E2-DB84BF4EF479}"/>
+              </a:ext>
+            </a:extLst>
+          </p:cNvPr>
+          <p:cNvSpPr>
+            <a:spLocks noGrp="1"/>
+          </p:cNvSpPr>
+          <p:nvPr>
+            <p:ph type="title"/>
+          </p:nvPr>
+        </p:nvSpPr>
+        <p:spPr/>
+        <p:txBody>
+          <a:bodyPr/>
+          <a:lstStyle/>
+          <a:p>
+            <a:r>
+              <a:rPr lang="en-US"/>
+              <a:t>Review Notes </a:t>
+            </a:r>
+            <a:endParaRPr lang="en-US" dirty="0"/>
+          </a:p>
+        </p:txBody>
+      </p:sp>
+      <p:sp>
+        <p:nvSpPr>
+          <p:cNvPr id="3" name="Content Placeholder 2">
+            <a:extLst>
+              <a:ext uri="{FF2B5EF4-FFF2-40B4-BE49-F238E27FC236}">
+                <a16:creationId xmlns:a16="http://schemas.microsoft.com/office/drawing/2014/main" id="{B9D99581-EF9D-4B4D-9A0C-022B7F6FC0B2}"/>
+              </a:ext>
+            </a:extLst>
+          </p:cNvPr>
+          <p:cNvSpPr>
+            <a:spLocks noGrp="1"/>
+          </p:cNvSpPr>
+          <p:nvPr>
+            <p:ph idx="1"/>
+          </p:nvPr>
+        </p:nvSpPr>
+        <p:spPr/>
+        <p:txBody>
+          <a:bodyPr>
+            <a:normAutofit fontScale="70000" lnSpcReduction="20000"/>
+          </a:bodyPr>
+          <a:lstStyle/>
+          <a:p>
+            <a:r>
+              <a:rPr lang="en-US" dirty="0"/>
+              <a:t>Blocking code runs synchronously and non-blocking code, such as timer functions, runs asynchronously.</a:t>
+            </a:r>
+          </a:p>
+          <a:p>
+            <a:r>
+              <a:rPr lang="en-US" dirty="0"/>
+              <a:t>Core modules are provided to developers to perform common tasks efficiently. Core modules are used by passing a string with the module’s name into the require() statement.</a:t>
+            </a:r>
+          </a:p>
+          <a:p>
+            <a:r>
+              <a:rPr lang="en-US" dirty="0"/>
+              <a:t>We can make our own instances of the </a:t>
+            </a:r>
+            <a:r>
+              <a:rPr lang="en-US" dirty="0" err="1"/>
+              <a:t>EventEmitter</a:t>
+            </a:r>
+            <a:r>
+              <a:rPr lang="en-US" dirty="0"/>
+              <a:t> class, and we can subscribe to listen for named events with the .on() method and emit events with the .emit() method.</a:t>
+            </a:r>
+          </a:p>
+          <a:p>
+            <a:r>
+              <a:rPr lang="en-US" dirty="0"/>
+              <a:t>Node allows for both output, data/feedback to a user-provided by a computer, and input data/feedback to the computer provided by the user. To handle errors during asynchronous operations, provided callback functions are expected to have an error as their first parameter.</a:t>
+            </a:r>
+          </a:p>
+          <a:p>
+            <a:r>
+              <a:rPr lang="en-US" dirty="0"/>
+              <a:t>The buffer module provides global Buffer objects used to represent a fixed amount of memory that can’t be resized.</a:t>
+            </a:r>
+          </a:p>
+          <a:p>
+            <a:r>
+              <a:rPr lang="en-US" dirty="0"/>
+              <a:t>The timer module provides functions that allow developers to execute callbacks at a specified point of time in the future.</a:t>
+            </a:r>
+          </a:p>
+          <a:p>
+            <a:r>
+              <a:rPr lang="en-US" dirty="0"/>
+              <a:t>The Node fs core module is an API for interacting with the file system.</a:t>
+            </a:r>
+          </a:p>
+          <a:p>
+            <a:r>
+              <a:rPr lang="en-US" dirty="0"/>
+              <a:t>Streams allow us to read or write data piece by piece instead of all at once.</a:t>
+            </a:r>
+          </a:p>
+        </p:txBody>
+      </p:sp>
+    </p:spTree>
+    <p:extLst>
+      <p:ext uri="{BB962C8B-B14F-4D97-AF65-F5344CB8AC3E}">
+        <p14:creationId xmlns:p14="http://schemas.microsoft.com/office/powerpoint/2010/main" val="2178877512"/>
       </p:ext>
     </p:extLst>
   </p:cSld>

--- a/notes/node.js.pptx
+++ b/notes/node.js.pptx
@@ -18,6 +18,8 @@
     <p:sldId id="266" r:id="rId12"/>
     <p:sldId id="267" r:id="rId13"/>
     <p:sldId id="268" r:id="rId14"/>
+    <p:sldId id="269" r:id="rId15"/>
+    <p:sldId id="270" r:id="rId16"/>
   </p:sldIdLst>
   <p:sldSz cx="12192000" cy="6858000"/>
   <p:notesSz cx="6858000" cy="9144000"/>
@@ -4015,6 +4017,407 @@
     <p:extLst>
       <p:ext uri="{BB962C8B-B14F-4D97-AF65-F5344CB8AC3E}">
         <p14:creationId xmlns:p14="http://schemas.microsoft.com/office/powerpoint/2010/main" val="2178877512"/>
+      </p:ext>
+    </p:extLst>
+  </p:cSld>
+  <p:clrMapOvr>
+    <a:masterClrMapping/>
+  </p:clrMapOvr>
+</p:sld>
+</file>
+
+<file path=ppt/slides/slide14.xml><?xml version="1.0" encoding="utf-8"?>
+<p:sld xmlns:a="http://schemas.openxmlformats.org/drawingml/2006/main" xmlns:r="http://schemas.openxmlformats.org/officeDocument/2006/relationships" xmlns:p="http://schemas.openxmlformats.org/presentationml/2006/main">
+  <p:cSld>
+    <p:spTree>
+      <p:nvGrpSpPr>
+        <p:cNvPr id="1" name=""/>
+        <p:cNvGrpSpPr/>
+        <p:nvPr/>
+      </p:nvGrpSpPr>
+      <p:grpSpPr>
+        <a:xfrm>
+          <a:off x="0" y="0"/>
+          <a:ext cx="0" cy="0"/>
+          <a:chOff x="0" y="0"/>
+          <a:chExt cx="0" cy="0"/>
+        </a:xfrm>
+      </p:grpSpPr>
+      <p:sp>
+        <p:nvSpPr>
+          <p:cNvPr id="2" name="Title 1">
+            <a:extLst>
+              <a:ext uri="{FF2B5EF4-FFF2-40B4-BE49-F238E27FC236}">
+                <a16:creationId xmlns:a16="http://schemas.microsoft.com/office/drawing/2014/main" id="{7F0DA772-74EF-30D2-7C9A-25BE4BBDC0D7}"/>
+              </a:ext>
+            </a:extLst>
+          </p:cNvPr>
+          <p:cNvSpPr>
+            <a:spLocks noGrp="1"/>
+          </p:cNvSpPr>
+          <p:nvPr>
+            <p:ph type="title"/>
+          </p:nvPr>
+        </p:nvSpPr>
+        <p:spPr>
+          <a:xfrm>
+            <a:off x="838200" y="153631"/>
+            <a:ext cx="10515600" cy="766989"/>
+          </a:xfrm>
+        </p:spPr>
+        <p:txBody>
+          <a:bodyPr/>
+          <a:lstStyle/>
+          <a:p>
+            <a:r>
+              <a:rPr lang="en-US" dirty="0"/>
+              <a:t>Get some REST [API]</a:t>
+            </a:r>
+          </a:p>
+        </p:txBody>
+      </p:sp>
+      <p:sp>
+        <p:nvSpPr>
+          <p:cNvPr id="3" name="Content Placeholder 2">
+            <a:extLst>
+              <a:ext uri="{FF2B5EF4-FFF2-40B4-BE49-F238E27FC236}">
+                <a16:creationId xmlns:a16="http://schemas.microsoft.com/office/drawing/2014/main" id="{746F23EE-7081-5266-ABD9-F2A1FE1B7B44}"/>
+              </a:ext>
+            </a:extLst>
+          </p:cNvPr>
+          <p:cNvSpPr>
+            <a:spLocks noGrp="1"/>
+          </p:cNvSpPr>
+          <p:nvPr>
+            <p:ph idx="1"/>
+          </p:nvPr>
+        </p:nvSpPr>
+        <p:spPr>
+          <a:xfrm>
+            <a:off x="205273" y="845976"/>
+            <a:ext cx="11787673" cy="5858393"/>
+          </a:xfrm>
+        </p:spPr>
+        <p:txBody>
+          <a:bodyPr>
+            <a:normAutofit fontScale="70000" lnSpcReduction="20000"/>
+          </a:bodyPr>
+          <a:lstStyle/>
+          <a:p>
+            <a:r>
+              <a:rPr lang="en-US" dirty="0"/>
+              <a:t>Representational State Transfer</a:t>
+            </a:r>
+          </a:p>
+          <a:p>
+            <a:pPr lvl="1"/>
+            <a:r>
+              <a:rPr lang="en-US" dirty="0"/>
+              <a:t>REST Compliant (RESTful) Systems are STATELESS</a:t>
+            </a:r>
+          </a:p>
+          <a:p>
+            <a:pPr lvl="2"/>
+            <a:r>
+              <a:rPr lang="en-US" dirty="0"/>
+              <a:t>Client and Server concerns are separate and do not impact one another. </a:t>
+            </a:r>
+          </a:p>
+          <a:p>
+            <a:pPr lvl="2"/>
+            <a:r>
+              <a:rPr lang="en-US" i="1" dirty="0"/>
+              <a:t>Resources</a:t>
+            </a:r>
+            <a:r>
+              <a:rPr lang="en-US" i="1" u="sng" dirty="0"/>
+              <a:t> </a:t>
+            </a:r>
+            <a:r>
+              <a:rPr lang="en-US" dirty="0"/>
+              <a:t>are the objects of the web: objects, documents, etc. </a:t>
+            </a:r>
+            <a:endParaRPr lang="en-US" i="1" dirty="0"/>
+          </a:p>
+          <a:p>
+            <a:r>
+              <a:rPr lang="en-US" b="1" u="sng" dirty="0"/>
+              <a:t>Requests</a:t>
+            </a:r>
+            <a:r>
+              <a:rPr lang="en-US" dirty="0"/>
+              <a:t> are sent to the server, generally consist of: </a:t>
+            </a:r>
+          </a:p>
+          <a:p>
+            <a:pPr lvl="1"/>
+            <a:r>
+              <a:rPr lang="en-US" dirty="0"/>
+              <a:t>HTTP verb, defines type of operation. </a:t>
+            </a:r>
+          </a:p>
+          <a:p>
+            <a:pPr lvl="2"/>
+            <a:r>
+              <a:rPr lang="en-US" dirty="0"/>
+              <a:t>GET – retrieve a specific resource (by id) or collection of resources.</a:t>
+            </a:r>
+          </a:p>
+          <a:p>
+            <a:pPr lvl="2"/>
+            <a:r>
+              <a:rPr lang="en-US" dirty="0"/>
+              <a:t>POST – create a new resource.</a:t>
+            </a:r>
+          </a:p>
+          <a:p>
+            <a:pPr lvl="2"/>
+            <a:r>
+              <a:rPr lang="en-US" dirty="0"/>
+              <a:t>PUT – update a specific resource (by id)</a:t>
+            </a:r>
+          </a:p>
+          <a:p>
+            <a:pPr lvl="2"/>
+            <a:r>
+              <a:rPr lang="en-US" dirty="0"/>
+              <a:t>DELETE – Remove a specific resource. </a:t>
+            </a:r>
+          </a:p>
+          <a:p>
+            <a:pPr lvl="1"/>
+            <a:r>
+              <a:rPr lang="en-US" dirty="0"/>
+              <a:t>Header, allows client to pass information to server.</a:t>
+            </a:r>
+          </a:p>
+          <a:p>
+            <a:pPr lvl="2"/>
+            <a:r>
+              <a:rPr lang="en-US" i="1" dirty="0"/>
+              <a:t>Accept</a:t>
+            </a:r>
+            <a:r>
+              <a:rPr lang="en-US" dirty="0"/>
+              <a:t> field defines what data client will accept from server, in MIME Type format. </a:t>
+            </a:r>
+          </a:p>
+          <a:p>
+            <a:pPr lvl="2"/>
+            <a:r>
+              <a:rPr lang="en-US" dirty="0"/>
+              <a:t>MIME type format is </a:t>
+            </a:r>
+            <a:r>
+              <a:rPr lang="en-US" i="1" u="sng" dirty="0"/>
+              <a:t>type/subtype</a:t>
+            </a:r>
+            <a:r>
+              <a:rPr lang="en-US" dirty="0"/>
+              <a:t> such as text/html or audio/mpeg</a:t>
+            </a:r>
+          </a:p>
+          <a:p>
+            <a:pPr lvl="1"/>
+            <a:r>
+              <a:rPr lang="en-US" dirty="0"/>
+              <a:t>Path to resource. </a:t>
+            </a:r>
+          </a:p>
+          <a:p>
+            <a:pPr lvl="2"/>
+            <a:r>
+              <a:rPr lang="en-US" dirty="0"/>
+              <a:t>Usually, first part of path is plural form of the resource, i.e. customers/, images/, videos/</a:t>
+            </a:r>
+          </a:p>
+          <a:p>
+            <a:pPr lvl="2"/>
+            <a:r>
+              <a:rPr lang="en-US" dirty="0"/>
+              <a:t>Should contain information to be as specific, as necessary. </a:t>
+            </a:r>
+          </a:p>
+          <a:p>
+            <a:pPr lvl="1"/>
+            <a:r>
+              <a:rPr lang="en-US" dirty="0"/>
+              <a:t>Optional message body containing data. </a:t>
+            </a:r>
+          </a:p>
+          <a:p>
+            <a:r>
+              <a:rPr lang="en-US" dirty="0"/>
+              <a:t>Responses are sent to the client.</a:t>
+            </a:r>
+          </a:p>
+          <a:p>
+            <a:pPr lvl="1"/>
+            <a:r>
+              <a:rPr lang="en-US" dirty="0"/>
+              <a:t>Must include a </a:t>
+            </a:r>
+            <a:r>
+              <a:rPr lang="en-US" i="1" dirty="0"/>
+              <a:t>content-type</a:t>
+            </a:r>
+            <a:r>
+              <a:rPr lang="en-US" dirty="0"/>
+              <a:t> in response header. </a:t>
+            </a:r>
+          </a:p>
+          <a:p>
+            <a:pPr lvl="1"/>
+            <a:r>
+              <a:rPr lang="en-US" dirty="0"/>
+              <a:t>Response Code alerts client to status of request.  </a:t>
+            </a:r>
+          </a:p>
+          <a:p>
+            <a:pPr lvl="2"/>
+            <a:r>
+              <a:rPr lang="en-US" dirty="0"/>
+              <a:t>GET – return 200 (OK)</a:t>
+            </a:r>
+          </a:p>
+          <a:p>
+            <a:pPr lvl="2"/>
+            <a:r>
+              <a:rPr lang="en-US" dirty="0"/>
+              <a:t>POST – return 201 (CREATED)</a:t>
+            </a:r>
+          </a:p>
+          <a:p>
+            <a:pPr lvl="2"/>
+            <a:r>
+              <a:rPr lang="en-US" dirty="0"/>
+              <a:t>PUT – return 200 (OK)</a:t>
+            </a:r>
+          </a:p>
+          <a:p>
+            <a:pPr lvl="2"/>
+            <a:r>
+              <a:rPr lang="en-US" dirty="0"/>
+              <a:t>DELETE – return 204 (NO CONTENT)</a:t>
+            </a:r>
+          </a:p>
+          <a:p>
+            <a:endParaRPr lang="en-US" dirty="0"/>
+          </a:p>
+          <a:p>
+            <a:pPr lvl="1"/>
+            <a:endParaRPr lang="en-US" dirty="0"/>
+          </a:p>
+        </p:txBody>
+      </p:sp>
+    </p:spTree>
+    <p:extLst>
+      <p:ext uri="{BB962C8B-B14F-4D97-AF65-F5344CB8AC3E}">
+        <p14:creationId xmlns:p14="http://schemas.microsoft.com/office/powerpoint/2010/main" val="534706491"/>
+      </p:ext>
+    </p:extLst>
+  </p:cSld>
+  <p:clrMapOvr>
+    <a:masterClrMapping/>
+  </p:clrMapOvr>
+</p:sld>
+</file>
+
+<file path=ppt/slides/slide15.xml><?xml version="1.0" encoding="utf-8"?>
+<p:sld xmlns:a="http://schemas.openxmlformats.org/drawingml/2006/main" xmlns:r="http://schemas.openxmlformats.org/officeDocument/2006/relationships" xmlns:p="http://schemas.openxmlformats.org/presentationml/2006/main">
+  <p:cSld>
+    <p:spTree>
+      <p:nvGrpSpPr>
+        <p:cNvPr id="1" name=""/>
+        <p:cNvGrpSpPr/>
+        <p:nvPr/>
+      </p:nvGrpSpPr>
+      <p:grpSpPr>
+        <a:xfrm>
+          <a:off x="0" y="0"/>
+          <a:ext cx="0" cy="0"/>
+          <a:chOff x="0" y="0"/>
+          <a:chExt cx="0" cy="0"/>
+        </a:xfrm>
+      </p:grpSpPr>
+      <p:sp>
+        <p:nvSpPr>
+          <p:cNvPr id="2" name="Title 1">
+            <a:extLst>
+              <a:ext uri="{FF2B5EF4-FFF2-40B4-BE49-F238E27FC236}">
+                <a16:creationId xmlns:a16="http://schemas.microsoft.com/office/drawing/2014/main" id="{65F2A64F-F9BF-5F69-ECD8-71DAE5FD07DC}"/>
+              </a:ext>
+            </a:extLst>
+          </p:cNvPr>
+          <p:cNvSpPr>
+            <a:spLocks noGrp="1"/>
+          </p:cNvSpPr>
+          <p:nvPr>
+            <p:ph type="title"/>
+          </p:nvPr>
+        </p:nvSpPr>
+        <p:spPr/>
+        <p:txBody>
+          <a:bodyPr/>
+          <a:lstStyle/>
+          <a:p>
+            <a:r>
+              <a:rPr lang="en-US" dirty="0"/>
+              <a:t>What’s this CRUD on my shoe?</a:t>
+            </a:r>
+          </a:p>
+        </p:txBody>
+      </p:sp>
+      <p:sp>
+        <p:nvSpPr>
+          <p:cNvPr id="3" name="Content Placeholder 2">
+            <a:extLst>
+              <a:ext uri="{FF2B5EF4-FFF2-40B4-BE49-F238E27FC236}">
+                <a16:creationId xmlns:a16="http://schemas.microsoft.com/office/drawing/2014/main" id="{84D2C1C2-F646-0F1B-715A-A95E9EA86769}"/>
+              </a:ext>
+            </a:extLst>
+          </p:cNvPr>
+          <p:cNvSpPr>
+            <a:spLocks noGrp="1"/>
+          </p:cNvSpPr>
+          <p:nvPr>
+            <p:ph idx="1"/>
+          </p:nvPr>
+        </p:nvSpPr>
+        <p:spPr/>
+        <p:txBody>
+          <a:bodyPr/>
+          <a:lstStyle/>
+          <a:p>
+            <a:r>
+              <a:rPr lang="en-US" dirty="0"/>
+              <a:t>Create</a:t>
+            </a:r>
+          </a:p>
+          <a:p>
+            <a:r>
+              <a:rPr lang="en-US" dirty="0"/>
+              <a:t>Read</a:t>
+            </a:r>
+          </a:p>
+          <a:p>
+            <a:r>
+              <a:rPr lang="en-US" dirty="0"/>
+              <a:t>Update</a:t>
+            </a:r>
+          </a:p>
+          <a:p>
+            <a:r>
+              <a:rPr lang="en-US"/>
+              <a:t>Delete </a:t>
+            </a:r>
+          </a:p>
+        </p:txBody>
+      </p:sp>
+    </p:spTree>
+    <p:extLst>
+      <p:ext uri="{BB962C8B-B14F-4D97-AF65-F5344CB8AC3E}">
+        <p14:creationId xmlns:p14="http://schemas.microsoft.com/office/powerpoint/2010/main" val="120722759"/>
       </p:ext>
     </p:extLst>
   </p:cSld>
